--- a/notes/joby_evtol_presentation.pptx
+++ b/notes/joby_evtol_presentation.pptx
@@ -9,12 +9,10 @@
     <p:sldId id="257" r:id="rId3"/>
     <p:sldId id="259" r:id="rId4"/>
     <p:sldId id="258" r:id="rId5"/>
-    <p:sldId id="261" r:id="rId6"/>
-    <p:sldId id="260" r:id="rId7"/>
-    <p:sldId id="262" r:id="rId8"/>
-    <p:sldId id="264" r:id="rId9"/>
-    <p:sldId id="263" r:id="rId10"/>
-    <p:sldId id="265" r:id="rId11"/>
+    <p:sldId id="266" r:id="rId6"/>
+    <p:sldId id="267" r:id="rId7"/>
+    <p:sldId id="263" r:id="rId8"/>
+    <p:sldId id="265" r:id="rId9"/>
   </p:sldIdLst>
   <p:sldSz cx="12192000" cy="6858000"/>
   <p:notesSz cx="6858000" cy="9144000"/>
@@ -113,6 +111,11 @@
       </a:defRPr>
     </a:lvl9pPr>
   </p:defaultTextStyle>
+  <p:extLst>
+    <p:ext uri="{EFAFB233-063F-42B5-8137-9DF3F51BA10A}">
+      <p15:sldGuideLst xmlns:p15="http://schemas.microsoft.com/office/powerpoint/2012/main"/>
+    </p:ext>
+  </p:extLst>
 </p:presentation>
 </file>
 
@@ -3478,89 +3481,6 @@
 </p:sld>
 </file>
 
-<file path=ppt/slides/slide10.xml><?xml version="1.0" encoding="utf-8"?>
-<p:sld xmlns:a="http://schemas.openxmlformats.org/drawingml/2006/main" xmlns:r="http://schemas.openxmlformats.org/officeDocument/2006/relationships" xmlns:p="http://schemas.openxmlformats.org/presentationml/2006/main">
-  <p:cSld>
-    <p:spTree>
-      <p:nvGrpSpPr>
-        <p:cNvPr id="1" name=""/>
-        <p:cNvGrpSpPr/>
-        <p:nvPr/>
-      </p:nvGrpSpPr>
-      <p:grpSpPr>
-        <a:xfrm>
-          <a:off x="0" y="0"/>
-          <a:ext cx="0" cy="0"/>
-          <a:chOff x="0" y="0"/>
-          <a:chExt cx="0" cy="0"/>
-        </a:xfrm>
-      </p:grpSpPr>
-      <p:sp>
-        <p:nvSpPr>
-          <p:cNvPr id="2" name="Title 1">
-            <a:extLst>
-              <a:ext uri="{FF2B5EF4-FFF2-40B4-BE49-F238E27FC236}">
-                <a16:creationId xmlns:a16="http://schemas.microsoft.com/office/drawing/2014/main" id="{6EF58BC9-101E-D549-F30D-3F4D216C6925}"/>
-              </a:ext>
-            </a:extLst>
-          </p:cNvPr>
-          <p:cNvSpPr>
-            <a:spLocks noGrp="1"/>
-          </p:cNvSpPr>
-          <p:nvPr>
-            <p:ph type="title"/>
-          </p:nvPr>
-        </p:nvSpPr>
-        <p:spPr/>
-        <p:txBody>
-          <a:bodyPr/>
-          <a:lstStyle/>
-          <a:p>
-            <a:r>
-              <a:rPr lang="en-US" dirty="0"/>
-              <a:t>Improvements</a:t>
-            </a:r>
-          </a:p>
-        </p:txBody>
-      </p:sp>
-      <p:sp>
-        <p:nvSpPr>
-          <p:cNvPr id="3" name="Content Placeholder 2">
-            <a:extLst>
-              <a:ext uri="{FF2B5EF4-FFF2-40B4-BE49-F238E27FC236}">
-                <a16:creationId xmlns:a16="http://schemas.microsoft.com/office/drawing/2014/main" id="{55F72B30-2708-B105-5ECD-D0916AFBC2F2}"/>
-              </a:ext>
-            </a:extLst>
-          </p:cNvPr>
-          <p:cNvSpPr>
-            <a:spLocks noGrp="1"/>
-          </p:cNvSpPr>
-          <p:nvPr>
-            <p:ph idx="1"/>
-          </p:nvPr>
-        </p:nvSpPr>
-        <p:spPr/>
-        <p:txBody>
-          <a:bodyPr/>
-          <a:lstStyle/>
-          <a:p>
-            <a:endParaRPr lang="en-US"/>
-          </a:p>
-        </p:txBody>
-      </p:sp>
-    </p:spTree>
-    <p:extLst>
-      <p:ext uri="{BB962C8B-B14F-4D97-AF65-F5344CB8AC3E}">
-        <p14:creationId xmlns:p14="http://schemas.microsoft.com/office/powerpoint/2010/main" val="3544380057"/>
-      </p:ext>
-    </p:extLst>
-  </p:cSld>
-  <p:clrMapOvr>
-    <a:masterClrMapping/>
-  </p:clrMapOvr>
-</p:sld>
-</file>
-
 <file path=ppt/slides/slide2.xml><?xml version="1.0" encoding="utf-8"?>
 <p:sld xmlns:a="http://schemas.openxmlformats.org/drawingml/2006/main" xmlns:r="http://schemas.openxmlformats.org/officeDocument/2006/relationships" xmlns:p="http://schemas.openxmlformats.org/presentationml/2006/main">
   <p:cSld>
@@ -4112,7 +4032,7 @@
           <p:cNvPr id="2" name="Title 1">
             <a:extLst>
               <a:ext uri="{FF2B5EF4-FFF2-40B4-BE49-F238E27FC236}">
-                <a16:creationId xmlns:a16="http://schemas.microsoft.com/office/drawing/2014/main" id="{267903B6-C03F-6736-0EAE-048DC1707740}"/>
+                <a16:creationId xmlns:a16="http://schemas.microsoft.com/office/drawing/2014/main" id="{673C6D67-4615-4D4B-A16D-5F1DEE8BF13D}"/>
               </a:ext>
             </a:extLst>
           </p:cNvPr>
@@ -4130,7 +4050,14 @@
           <a:p>
             <a:r>
               <a:rPr lang="en-US" dirty="0"/>
-              <a:t>Echo’s Influence on loop time step</a:t>
+              <a:t>Roadblocks and</a:t>
+            </a:r>
+            <a:br>
+              <a:rPr lang="en-US" dirty="0"/>
+            </a:br>
+            <a:r>
+              <a:rPr lang="en-US" dirty="0"/>
+              <a:t>Solutions</a:t>
             </a:r>
           </a:p>
         </p:txBody>
@@ -4140,7 +4067,7 @@
           <p:cNvPr id="3" name="Content Placeholder 2">
             <a:extLst>
               <a:ext uri="{FF2B5EF4-FFF2-40B4-BE49-F238E27FC236}">
-                <a16:creationId xmlns:a16="http://schemas.microsoft.com/office/drawing/2014/main" id="{2B6EDD96-286B-36D4-2B69-A29A525EFFB6}"/>
+                <a16:creationId xmlns:a16="http://schemas.microsoft.com/office/drawing/2014/main" id="{67B84C01-071D-6BBD-3170-01B0DFB149D9}"/>
               </a:ext>
             </a:extLst>
           </p:cNvPr>
@@ -4158,7 +4085,41 @@
           <a:p>
             <a:r>
               <a:rPr lang="en-US" dirty="0"/>
-              <a:t>Assumption made to round off echo’s flight duration</a:t>
+              <a:t>Echo Company’s influence on the loop time step</a:t>
+            </a:r>
+          </a:p>
+          <a:p>
+            <a:pPr lvl="1"/>
+            <a:r>
+              <a:rPr lang="en-US" dirty="0"/>
+              <a:t>Could have been avoided</a:t>
+            </a:r>
+          </a:p>
+          <a:p>
+            <a:pPr lvl="1"/>
+            <a:r>
+              <a:rPr lang="en-US" dirty="0"/>
+              <a:t>Simple solution with SW design</a:t>
+            </a:r>
+          </a:p>
+          <a:p>
+            <a:r>
+              <a:rPr lang="en-US" dirty="0"/>
+              <a:t> Tracing state transitions</a:t>
+            </a:r>
+          </a:p>
+          <a:p>
+            <a:pPr lvl="1"/>
+            <a:r>
+              <a:rPr lang="en-US" dirty="0"/>
+              <a:t>Uncovered timing offset</a:t>
+            </a:r>
+          </a:p>
+          <a:p>
+            <a:pPr lvl="1"/>
+            <a:r>
+              <a:rPr lang="en-US" dirty="0"/>
+              <a:t>Influenced decision to add every aircraft in line to charge</a:t>
             </a:r>
           </a:p>
         </p:txBody>
@@ -4166,7 +4127,7 @@
     </p:spTree>
     <p:extLst>
       <p:ext uri="{BB962C8B-B14F-4D97-AF65-F5344CB8AC3E}">
-        <p14:creationId xmlns:p14="http://schemas.microsoft.com/office/powerpoint/2010/main" val="1604508633"/>
+        <p14:creationId xmlns:p14="http://schemas.microsoft.com/office/powerpoint/2010/main" val="1313590027"/>
       </p:ext>
     </p:extLst>
   </p:cSld>
@@ -4198,7 +4159,7 @@
           <p:cNvPr id="2" name="Title 1">
             <a:extLst>
               <a:ext uri="{FF2B5EF4-FFF2-40B4-BE49-F238E27FC236}">
-                <a16:creationId xmlns:a16="http://schemas.microsoft.com/office/drawing/2014/main" id="{ECE00EDA-3987-BFF8-E9E3-BD081E0ADE21}"/>
+                <a16:creationId xmlns:a16="http://schemas.microsoft.com/office/drawing/2014/main" id="{A0917D07-A0ED-E466-CC19-7B5808886390}"/>
               </a:ext>
             </a:extLst>
           </p:cNvPr>
@@ -4216,7 +4177,7 @@
           <a:p>
             <a:r>
               <a:rPr lang="en-US" dirty="0"/>
-              <a:t>Testing as simulation grew</a:t>
+              <a:t>Unit Tests</a:t>
             </a:r>
           </a:p>
         </p:txBody>
@@ -4226,7 +4187,7 @@
           <p:cNvPr id="3" name="Content Placeholder 2">
             <a:extLst>
               <a:ext uri="{FF2B5EF4-FFF2-40B4-BE49-F238E27FC236}">
-                <a16:creationId xmlns:a16="http://schemas.microsoft.com/office/drawing/2014/main" id="{BE5DAD18-3C41-E2EE-10CA-E2B67E156EA9}"/>
+                <a16:creationId xmlns:a16="http://schemas.microsoft.com/office/drawing/2014/main" id="{B27F626C-1196-1613-1601-3B89B1BAFDE6}"/>
               </a:ext>
             </a:extLst>
           </p:cNvPr>
@@ -4244,13 +4205,33 @@
           <a:p>
             <a:r>
               <a:rPr lang="en-US" dirty="0"/>
-              <a:t>Tracing the state transitions in step 7</a:t>
-            </a:r>
-          </a:p>
-          <a:p>
-            <a:r>
-              <a:rPr lang="en-US" dirty="0"/>
-              <a:t>Uncovered timing offset</a:t>
+              <a:t>Random ID generation test – verify every company ID is generated at least once. Exit simulation and re-run otherwise.</a:t>
+            </a:r>
+          </a:p>
+          <a:p>
+            <a:r>
+              <a:rPr lang="en-US" dirty="0"/>
+              <a:t>Fault generation – Alpha aircraft with 25% chance of a fault, run through fault percent chance 1000 times, should have around 250 faults.</a:t>
+            </a:r>
+          </a:p>
+          <a:p>
+            <a:r>
+              <a:rPr lang="en-US" dirty="0"/>
+              <a:t>Output calculations test</a:t>
+            </a:r>
+          </a:p>
+          <a:p>
+            <a:pPr lvl="1"/>
+            <a:r>
+              <a:rPr lang="en-US" dirty="0"/>
+              <a:t>Lots of math and organization behind computing output data</a:t>
+            </a:r>
+          </a:p>
+          <a:p>
+            <a:pPr lvl="1"/>
+            <a:r>
+              <a:rPr lang="en-US" dirty="0"/>
+              <a:t>Test uncovered flaw from an uninitialized array</a:t>
             </a:r>
           </a:p>
         </p:txBody>
@@ -4258,7 +4239,7 @@
     </p:spTree>
     <p:extLst>
       <p:ext uri="{BB962C8B-B14F-4D97-AF65-F5344CB8AC3E}">
-        <p14:creationId xmlns:p14="http://schemas.microsoft.com/office/powerpoint/2010/main" val="1768609502"/>
+        <p14:creationId xmlns:p14="http://schemas.microsoft.com/office/powerpoint/2010/main" val="2811229468"/>
       </p:ext>
     </p:extLst>
   </p:cSld>
@@ -4290,7 +4271,7 @@
           <p:cNvPr id="2" name="Title 1">
             <a:extLst>
               <a:ext uri="{FF2B5EF4-FFF2-40B4-BE49-F238E27FC236}">
-                <a16:creationId xmlns:a16="http://schemas.microsoft.com/office/drawing/2014/main" id="{34EF2624-9F30-A1DD-F695-873D005D9EBA}"/>
+                <a16:creationId xmlns:a16="http://schemas.microsoft.com/office/drawing/2014/main" id="{C03CE553-869B-88B7-A9E1-606DF3FA0E61}"/>
               </a:ext>
             </a:extLst>
           </p:cNvPr>
@@ -4308,7 +4289,7 @@
           <a:p>
             <a:r>
               <a:rPr lang="en-US" dirty="0"/>
-              <a:t>Random ID Generation Test</a:t>
+              <a:t>Improvements</a:t>
             </a:r>
           </a:p>
         </p:txBody>
@@ -4318,7 +4299,7 @@
           <p:cNvPr id="3" name="Content Placeholder 2">
             <a:extLst>
               <a:ext uri="{FF2B5EF4-FFF2-40B4-BE49-F238E27FC236}">
-                <a16:creationId xmlns:a16="http://schemas.microsoft.com/office/drawing/2014/main" id="{2CCBEA7A-8AF2-EC89-EDAD-11F10C9D4154}"/>
+                <a16:creationId xmlns:a16="http://schemas.microsoft.com/office/drawing/2014/main" id="{1A35CEC4-18E0-63C3-00F7-7AC6F3AA04CD}"/>
               </a:ext>
             </a:extLst>
           </p:cNvPr>
@@ -4334,14 +4315,14 @@
           <a:bodyPr/>
           <a:lstStyle/>
           <a:p>
-            <a:endParaRPr lang="en-US"/>
+            <a:endParaRPr lang="en-US" dirty="0"/>
           </a:p>
         </p:txBody>
       </p:sp>
     </p:spTree>
     <p:extLst>
       <p:ext uri="{BB962C8B-B14F-4D97-AF65-F5344CB8AC3E}">
-        <p14:creationId xmlns:p14="http://schemas.microsoft.com/office/powerpoint/2010/main" val="2337685374"/>
+        <p14:creationId xmlns:p14="http://schemas.microsoft.com/office/powerpoint/2010/main" val="2986241351"/>
       </p:ext>
     </p:extLst>
   </p:cSld>
@@ -4373,7 +4354,7 @@
           <p:cNvPr id="2" name="Title 1">
             <a:extLst>
               <a:ext uri="{FF2B5EF4-FFF2-40B4-BE49-F238E27FC236}">
-                <a16:creationId xmlns:a16="http://schemas.microsoft.com/office/drawing/2014/main" id="{CCA5E630-99A7-1C1B-342B-FD306EEC4C87}"/>
+                <a16:creationId xmlns:a16="http://schemas.microsoft.com/office/drawing/2014/main" id="{6EF58BC9-101E-D549-F30D-3F4D216C6925}"/>
               </a:ext>
             </a:extLst>
           </p:cNvPr>
@@ -4391,7 +4372,7 @@
           <a:p>
             <a:r>
               <a:rPr lang="en-US" dirty="0"/>
-              <a:t>Fault Generation Test</a:t>
+              <a:t>Improvements</a:t>
             </a:r>
           </a:p>
         </p:txBody>
@@ -4401,7 +4382,7 @@
           <p:cNvPr id="3" name="Content Placeholder 2">
             <a:extLst>
               <a:ext uri="{FF2B5EF4-FFF2-40B4-BE49-F238E27FC236}">
-                <a16:creationId xmlns:a16="http://schemas.microsoft.com/office/drawing/2014/main" id="{B2035CDD-6166-D65C-FC50-BAC55FAF8F9A}"/>
+                <a16:creationId xmlns:a16="http://schemas.microsoft.com/office/drawing/2014/main" id="{55F72B30-2708-B105-5ECD-D0916AFBC2F2}"/>
               </a:ext>
             </a:extLst>
           </p:cNvPr>
@@ -4424,97 +4405,7 @@
     </p:spTree>
     <p:extLst>
       <p:ext uri="{BB962C8B-B14F-4D97-AF65-F5344CB8AC3E}">
-        <p14:creationId xmlns:p14="http://schemas.microsoft.com/office/powerpoint/2010/main" val="2955497233"/>
-      </p:ext>
-    </p:extLst>
-  </p:cSld>
-  <p:clrMapOvr>
-    <a:masterClrMapping/>
-  </p:clrMapOvr>
-</p:sld>
-</file>
-
-<file path=ppt/slides/slide9.xml><?xml version="1.0" encoding="utf-8"?>
-<p:sld xmlns:a="http://schemas.openxmlformats.org/drawingml/2006/main" xmlns:r="http://schemas.openxmlformats.org/officeDocument/2006/relationships" xmlns:p="http://schemas.openxmlformats.org/presentationml/2006/main">
-  <p:cSld>
-    <p:spTree>
-      <p:nvGrpSpPr>
-        <p:cNvPr id="1" name=""/>
-        <p:cNvGrpSpPr/>
-        <p:nvPr/>
-      </p:nvGrpSpPr>
-      <p:grpSpPr>
-        <a:xfrm>
-          <a:off x="0" y="0"/>
-          <a:ext cx="0" cy="0"/>
-          <a:chOff x="0" y="0"/>
-          <a:chExt cx="0" cy="0"/>
-        </a:xfrm>
-      </p:grpSpPr>
-      <p:sp>
-        <p:nvSpPr>
-          <p:cNvPr id="2" name="Title 1">
-            <a:extLst>
-              <a:ext uri="{FF2B5EF4-FFF2-40B4-BE49-F238E27FC236}">
-                <a16:creationId xmlns:a16="http://schemas.microsoft.com/office/drawing/2014/main" id="{C03CE553-869B-88B7-A9E1-606DF3FA0E61}"/>
-              </a:ext>
-            </a:extLst>
-          </p:cNvPr>
-          <p:cNvSpPr>
-            <a:spLocks noGrp="1"/>
-          </p:cNvSpPr>
-          <p:nvPr>
-            <p:ph type="title"/>
-          </p:nvPr>
-        </p:nvSpPr>
-        <p:spPr/>
-        <p:txBody>
-          <a:bodyPr/>
-          <a:lstStyle/>
-          <a:p>
-            <a:r>
-              <a:rPr lang="en-US" dirty="0"/>
-              <a:t>Testing file output calculations</a:t>
-            </a:r>
-          </a:p>
-        </p:txBody>
-      </p:sp>
-      <p:sp>
-        <p:nvSpPr>
-          <p:cNvPr id="3" name="Content Placeholder 2">
-            <a:extLst>
-              <a:ext uri="{FF2B5EF4-FFF2-40B4-BE49-F238E27FC236}">
-                <a16:creationId xmlns:a16="http://schemas.microsoft.com/office/drawing/2014/main" id="{1A35CEC4-18E0-63C3-00F7-7AC6F3AA04CD}"/>
-              </a:ext>
-            </a:extLst>
-          </p:cNvPr>
-          <p:cNvSpPr>
-            <a:spLocks noGrp="1"/>
-          </p:cNvSpPr>
-          <p:nvPr>
-            <p:ph idx="1"/>
-          </p:nvPr>
-        </p:nvSpPr>
-        <p:spPr/>
-        <p:txBody>
-          <a:bodyPr/>
-          <a:lstStyle/>
-          <a:p>
-            <a:r>
-              <a:rPr lang="en-US" dirty="0"/>
-              <a:t>Uncovered problem with array initialization (or </a:t>
-            </a:r>
-            <a:r>
-              <a:rPr lang="en-US"/>
-              <a:t>lack thereof)</a:t>
-            </a:r>
-          </a:p>
-        </p:txBody>
-      </p:sp>
-    </p:spTree>
-    <p:extLst>
-      <p:ext uri="{BB962C8B-B14F-4D97-AF65-F5344CB8AC3E}">
-        <p14:creationId xmlns:p14="http://schemas.microsoft.com/office/powerpoint/2010/main" val="2986241351"/>
+        <p14:creationId xmlns:p14="http://schemas.microsoft.com/office/powerpoint/2010/main" val="3544380057"/>
       </p:ext>
     </p:extLst>
   </p:cSld>

--- a/notes/joby_evtol_presentation.pptx
+++ b/notes/joby_evtol_presentation.pptx
@@ -9,10 +9,10 @@
     <p:sldId id="257" r:id="rId3"/>
     <p:sldId id="259" r:id="rId4"/>
     <p:sldId id="258" r:id="rId5"/>
-    <p:sldId id="266" r:id="rId6"/>
-    <p:sldId id="267" r:id="rId7"/>
-    <p:sldId id="263" r:id="rId8"/>
-    <p:sldId id="265" r:id="rId9"/>
+    <p:sldId id="267" r:id="rId6"/>
+    <p:sldId id="263" r:id="rId7"/>
+    <p:sldId id="265" r:id="rId8"/>
+    <p:sldId id="268" r:id="rId9"/>
   </p:sldIdLst>
   <p:sldSz cx="12192000" cy="6858000"/>
   <p:notesSz cx="6858000" cy="9144000"/>
@@ -343,7 +343,7 @@
           <a:p>
             <a:fld id="{EE59E613-E25F-4587-9603-704A5611A1EA}" type="datetimeFigureOut">
               <a:rPr lang="en-US" smtClean="0"/>
-              <a:t>10/26/2024</a:t>
+              <a:t>11/1/2024</a:t>
             </a:fld>
             <a:endParaRPr lang="en-US"/>
           </a:p>
@@ -513,7 +513,7 @@
           <a:p>
             <a:fld id="{EE59E613-E25F-4587-9603-704A5611A1EA}" type="datetimeFigureOut">
               <a:rPr lang="en-US" smtClean="0"/>
-              <a:t>10/26/2024</a:t>
+              <a:t>11/1/2024</a:t>
             </a:fld>
             <a:endParaRPr lang="en-US"/>
           </a:p>
@@ -693,7 +693,7 @@
           <a:p>
             <a:fld id="{EE59E613-E25F-4587-9603-704A5611A1EA}" type="datetimeFigureOut">
               <a:rPr lang="en-US" smtClean="0"/>
-              <a:t>10/26/2024</a:t>
+              <a:t>11/1/2024</a:t>
             </a:fld>
             <a:endParaRPr lang="en-US"/>
           </a:p>
@@ -863,7 +863,7 @@
           <a:p>
             <a:fld id="{EE59E613-E25F-4587-9603-704A5611A1EA}" type="datetimeFigureOut">
               <a:rPr lang="en-US" smtClean="0"/>
-              <a:t>10/26/2024</a:t>
+              <a:t>11/1/2024</a:t>
             </a:fld>
             <a:endParaRPr lang="en-US"/>
           </a:p>
@@ -1121,7 +1121,7 @@
           <a:p>
             <a:fld id="{EE59E613-E25F-4587-9603-704A5611A1EA}" type="datetimeFigureOut">
               <a:rPr lang="en-US" smtClean="0"/>
-              <a:t>10/26/2024</a:t>
+              <a:t>11/1/2024</a:t>
             </a:fld>
             <a:endParaRPr lang="en-US"/>
           </a:p>
@@ -1409,7 +1409,7 @@
           <a:p>
             <a:fld id="{EE59E613-E25F-4587-9603-704A5611A1EA}" type="datetimeFigureOut">
               <a:rPr lang="en-US" smtClean="0"/>
-              <a:t>10/26/2024</a:t>
+              <a:t>11/1/2024</a:t>
             </a:fld>
             <a:endParaRPr lang="en-US"/>
           </a:p>
@@ -1851,7 +1851,7 @@
           <a:p>
             <a:fld id="{EE59E613-E25F-4587-9603-704A5611A1EA}" type="datetimeFigureOut">
               <a:rPr lang="en-US" smtClean="0"/>
-              <a:t>10/26/2024</a:t>
+              <a:t>11/1/2024</a:t>
             </a:fld>
             <a:endParaRPr lang="en-US"/>
           </a:p>
@@ -1969,7 +1969,7 @@
           <a:p>
             <a:fld id="{EE59E613-E25F-4587-9603-704A5611A1EA}" type="datetimeFigureOut">
               <a:rPr lang="en-US" smtClean="0"/>
-              <a:t>10/26/2024</a:t>
+              <a:t>11/1/2024</a:t>
             </a:fld>
             <a:endParaRPr lang="en-US"/>
           </a:p>
@@ -2064,7 +2064,7 @@
           <a:p>
             <a:fld id="{EE59E613-E25F-4587-9603-704A5611A1EA}" type="datetimeFigureOut">
               <a:rPr lang="en-US" smtClean="0"/>
-              <a:t>10/26/2024</a:t>
+              <a:t>11/1/2024</a:t>
             </a:fld>
             <a:endParaRPr lang="en-US"/>
           </a:p>
@@ -2352,7 +2352,7 @@
           <a:p>
             <a:fld id="{EE59E613-E25F-4587-9603-704A5611A1EA}" type="datetimeFigureOut">
               <a:rPr lang="en-US" smtClean="0"/>
-              <a:t>10/26/2024</a:t>
+              <a:t>11/1/2024</a:t>
             </a:fld>
             <a:endParaRPr lang="en-US"/>
           </a:p>
@@ -2625,7 +2625,7 @@
           <a:p>
             <a:fld id="{EE59E613-E25F-4587-9603-704A5611A1EA}" type="datetimeFigureOut">
               <a:rPr lang="en-US" smtClean="0"/>
-              <a:t>10/26/2024</a:t>
+              <a:t>11/1/2024</a:t>
             </a:fld>
             <a:endParaRPr lang="en-US"/>
           </a:p>
@@ -2922,7 +2922,7 @@
           <a:p>
             <a:fld id="{EE59E613-E25F-4587-9603-704A5611A1EA}" type="datetimeFigureOut">
               <a:rPr lang="en-US" smtClean="0"/>
-              <a:t>10/26/2024</a:t>
+              <a:t>11/1/2024</a:t>
             </a:fld>
             <a:endParaRPr lang="en-US"/>
           </a:p>
@@ -3561,8 +3561,13 @@
           <a:p>
             <a:r>
               <a:rPr lang="en-US" dirty="0"/>
-              <a:t>Equations</a:t>
-            </a:r>
+              <a:t>Equations for flight time </a:t>
+            </a:r>
+            <a:r>
+              <a:rPr lang="en-US"/>
+              <a:t>/ charge time</a:t>
+            </a:r>
+            <a:endParaRPr lang="en-US" dirty="0"/>
           </a:p>
           <a:p>
             <a:r>
@@ -3578,6 +3583,42 @@
           </a:p>
         </p:txBody>
       </p:sp>
+      <p:pic>
+        <p:nvPicPr>
+          <p:cNvPr id="7" name="Picture 6" descr="Light bulb glowing">
+            <a:extLst>
+              <a:ext uri="{FF2B5EF4-FFF2-40B4-BE49-F238E27FC236}">
+                <a16:creationId xmlns:a16="http://schemas.microsoft.com/office/drawing/2014/main" id="{CEEAB80D-2702-54F2-E7F0-48E34182196F}"/>
+              </a:ext>
+            </a:extLst>
+          </p:cNvPr>
+          <p:cNvPicPr>
+            <a:picLocks noChangeAspect="1"/>
+          </p:cNvPicPr>
+          <p:nvPr/>
+        </p:nvPicPr>
+        <p:blipFill>
+          <a:blip r:embed="rId2">
+            <a:extLst>
+              <a:ext uri="{28A0092B-C50C-407E-A947-70E740481C1C}">
+                <a14:useLocalDpi xmlns:a14="http://schemas.microsoft.com/office/drawing/2010/main" val="0"/>
+              </a:ext>
+            </a:extLst>
+          </a:blip>
+          <a:stretch>
+            <a:fillRect/>
+          </a:stretch>
+        </p:blipFill>
+        <p:spPr>
+          <a:xfrm>
+            <a:off x="8187070" y="4322078"/>
+            <a:ext cx="2412448" cy="1402942"/>
+          </a:xfrm>
+          <a:prstGeom prst="rect">
+            <a:avLst/>
+          </a:prstGeom>
+        </p:spPr>
+      </p:pic>
     </p:spTree>
     <p:extLst>
       <p:ext uri="{BB962C8B-B14F-4D97-AF65-F5344CB8AC3E}">
@@ -3662,7 +3703,7 @@
         <p:spPr/>
         <p:txBody>
           <a:bodyPr>
-            <a:normAutofit lnSpcReduction="10000"/>
+            <a:normAutofit fontScale="92500" lnSpcReduction="10000"/>
           </a:bodyPr>
           <a:lstStyle/>
           <a:p>
@@ -3696,6 +3737,13 @@
             </a:r>
           </a:p>
           <a:p>
+            <a:pPr lvl="1"/>
+            <a:r>
+              <a:rPr lang="en-US" dirty="0"/>
+              <a:t>Decision driven by Echo</a:t>
+            </a:r>
+          </a:p>
+          <a:p>
             <a:r>
               <a:rPr lang="en-US" dirty="0"/>
               <a:t>Queue of aircraft in line to charge</a:t>
@@ -3738,7 +3786,7 @@
             </a:pPr>
             <a:r>
               <a:rPr lang="en-US" i="1" dirty="0"/>
-              <a:t>Some of these ideas were more complex now, but were simplified later as the plan developed.</a:t>
+              <a:t>Some of these ideas were more complex now, but simplified later as the plan developed.</a:t>
             </a:r>
           </a:p>
           <a:p>
@@ -4032,7 +4080,7 @@
           <p:cNvPr id="2" name="Title 1">
             <a:extLst>
               <a:ext uri="{FF2B5EF4-FFF2-40B4-BE49-F238E27FC236}">
-                <a16:creationId xmlns:a16="http://schemas.microsoft.com/office/drawing/2014/main" id="{673C6D67-4615-4D4B-A16D-5F1DEE8BF13D}"/>
+                <a16:creationId xmlns:a16="http://schemas.microsoft.com/office/drawing/2014/main" id="{A0917D07-A0ED-E466-CC19-7B5808886390}"/>
               </a:ext>
             </a:extLst>
           </p:cNvPr>
@@ -4050,14 +4098,7 @@
           <a:p>
             <a:r>
               <a:rPr lang="en-US" dirty="0"/>
-              <a:t>Roadblocks and</a:t>
-            </a:r>
-            <a:br>
-              <a:rPr lang="en-US" dirty="0"/>
-            </a:br>
-            <a:r>
-              <a:rPr lang="en-US" dirty="0"/>
-              <a:t>Solutions</a:t>
+              <a:t>Unit Tests</a:t>
             </a:r>
           </a:p>
         </p:txBody>
@@ -4067,7 +4108,7 @@
           <p:cNvPr id="3" name="Content Placeholder 2">
             <a:extLst>
               <a:ext uri="{FF2B5EF4-FFF2-40B4-BE49-F238E27FC236}">
-                <a16:creationId xmlns:a16="http://schemas.microsoft.com/office/drawing/2014/main" id="{67B84C01-071D-6BBD-3170-01B0DFB149D9}"/>
+                <a16:creationId xmlns:a16="http://schemas.microsoft.com/office/drawing/2014/main" id="{B27F626C-1196-1613-1601-3B89B1BAFDE6}"/>
               </a:ext>
             </a:extLst>
           </p:cNvPr>
@@ -4085,49 +4126,69 @@
           <a:p>
             <a:r>
               <a:rPr lang="en-US" dirty="0"/>
-              <a:t>Echo Company’s influence on the loop time step</a:t>
-            </a:r>
-          </a:p>
-          <a:p>
-            <a:pPr lvl="1"/>
-            <a:r>
-              <a:rPr lang="en-US" dirty="0"/>
-              <a:t>Could have been avoided</a:t>
-            </a:r>
-          </a:p>
-          <a:p>
-            <a:pPr lvl="1"/>
-            <a:r>
-              <a:rPr lang="en-US" dirty="0"/>
-              <a:t>Simple solution with SW design</a:t>
-            </a:r>
-          </a:p>
-          <a:p>
-            <a:r>
-              <a:rPr lang="en-US" dirty="0"/>
-              <a:t> Tracing state transitions</a:t>
-            </a:r>
-          </a:p>
-          <a:p>
-            <a:pPr lvl="1"/>
-            <a:r>
-              <a:rPr lang="en-US" dirty="0"/>
-              <a:t>Uncovered timing offset</a:t>
-            </a:r>
-          </a:p>
-          <a:p>
-            <a:pPr lvl="1"/>
-            <a:r>
-              <a:rPr lang="en-US" dirty="0"/>
-              <a:t>Influenced decision to add every aircraft in line to charge</a:t>
-            </a:r>
-          </a:p>
-        </p:txBody>
-      </p:sp>
+              <a:t>Tracing state transitions</a:t>
+            </a:r>
+          </a:p>
+          <a:p>
+            <a:r>
+              <a:rPr lang="en-US" dirty="0"/>
+              <a:t>Random ID generation test – verify every company ID is generated at least once. Exit simulation and re-run otherwise.</a:t>
+            </a:r>
+          </a:p>
+          <a:p>
+            <a:r>
+              <a:rPr lang="en-US" dirty="0"/>
+              <a:t>Fault generation – Alpha aircraft with 25% chance of a fault, run through fault percent chance 1000 times, should have around 250 faults.</a:t>
+            </a:r>
+          </a:p>
+          <a:p>
+            <a:r>
+              <a:rPr lang="en-US" dirty="0"/>
+              <a:t>Output calculations test</a:t>
+            </a:r>
+          </a:p>
+        </p:txBody>
+      </p:sp>
+      <p:pic>
+        <p:nvPicPr>
+          <p:cNvPr id="5" name="Picture 4" descr="Hand typing on keyboard">
+            <a:extLst>
+              <a:ext uri="{FF2B5EF4-FFF2-40B4-BE49-F238E27FC236}">
+                <a16:creationId xmlns:a16="http://schemas.microsoft.com/office/drawing/2014/main" id="{59BD4E16-1A92-8EFD-08BB-0C2F1C391293}"/>
+              </a:ext>
+            </a:extLst>
+          </p:cNvPr>
+          <p:cNvPicPr>
+            <a:picLocks noChangeAspect="1"/>
+          </p:cNvPicPr>
+          <p:nvPr/>
+        </p:nvPicPr>
+        <p:blipFill>
+          <a:blip r:embed="rId2">
+            <a:extLst>
+              <a:ext uri="{28A0092B-C50C-407E-A947-70E740481C1C}">
+                <a14:useLocalDpi xmlns:a14="http://schemas.microsoft.com/office/drawing/2010/main" val="0"/>
+              </a:ext>
+            </a:extLst>
+          </a:blip>
+          <a:stretch>
+            <a:fillRect/>
+          </a:stretch>
+        </p:blipFill>
+        <p:spPr>
+          <a:xfrm>
+            <a:off x="8161373" y="4289625"/>
+            <a:ext cx="2153093" cy="1435395"/>
+          </a:xfrm>
+          <a:prstGeom prst="rect">
+            <a:avLst/>
+          </a:prstGeom>
+        </p:spPr>
+      </p:pic>
     </p:spTree>
     <p:extLst>
       <p:ext uri="{BB962C8B-B14F-4D97-AF65-F5344CB8AC3E}">
-        <p14:creationId xmlns:p14="http://schemas.microsoft.com/office/powerpoint/2010/main" val="1313590027"/>
+        <p14:creationId xmlns:p14="http://schemas.microsoft.com/office/powerpoint/2010/main" val="2811229468"/>
       </p:ext>
     </p:extLst>
   </p:cSld>
@@ -4159,7 +4220,7 @@
           <p:cNvPr id="2" name="Title 1">
             <a:extLst>
               <a:ext uri="{FF2B5EF4-FFF2-40B4-BE49-F238E27FC236}">
-                <a16:creationId xmlns:a16="http://schemas.microsoft.com/office/drawing/2014/main" id="{A0917D07-A0ED-E466-CC19-7B5808886390}"/>
+                <a16:creationId xmlns:a16="http://schemas.microsoft.com/office/drawing/2014/main" id="{C03CE553-869B-88B7-A9E1-606DF3FA0E61}"/>
               </a:ext>
             </a:extLst>
           </p:cNvPr>
@@ -4177,7 +4238,7 @@
           <a:p>
             <a:r>
               <a:rPr lang="en-US" dirty="0"/>
-              <a:t>Unit Tests</a:t>
+              <a:t>Improvements</a:t>
             </a:r>
           </a:p>
         </p:txBody>
@@ -4187,7 +4248,7 @@
           <p:cNvPr id="3" name="Content Placeholder 2">
             <a:extLst>
               <a:ext uri="{FF2B5EF4-FFF2-40B4-BE49-F238E27FC236}">
-                <a16:creationId xmlns:a16="http://schemas.microsoft.com/office/drawing/2014/main" id="{B27F626C-1196-1613-1601-3B89B1BAFDE6}"/>
+                <a16:creationId xmlns:a16="http://schemas.microsoft.com/office/drawing/2014/main" id="{1A35CEC4-18E0-63C3-00F7-7AC6F3AA04CD}"/>
               </a:ext>
             </a:extLst>
           </p:cNvPr>
@@ -4205,41 +4266,81 @@
           <a:p>
             <a:r>
               <a:rPr lang="en-US" dirty="0"/>
-              <a:t>Random ID generation test – verify every company ID is generated at least once. Exit simulation and re-run otherwise.</a:t>
-            </a:r>
-          </a:p>
-          <a:p>
-            <a:r>
-              <a:rPr lang="en-US" dirty="0"/>
-              <a:t>Fault generation – Alpha aircraft with 25% chance of a fault, run through fault percent chance 1000 times, should have around 250 faults.</a:t>
-            </a:r>
-          </a:p>
-          <a:p>
-            <a:r>
-              <a:rPr lang="en-US" dirty="0"/>
-              <a:t>Output calculations test</a:t>
-            </a:r>
-          </a:p>
-          <a:p>
-            <a:pPr lvl="1"/>
-            <a:r>
-              <a:rPr lang="en-US" dirty="0"/>
-              <a:t>Lots of math and organization behind computing output data</a:t>
-            </a:r>
-          </a:p>
-          <a:p>
-            <a:pPr lvl="1"/>
-            <a:r>
-              <a:rPr lang="en-US" dirty="0"/>
-              <a:t>Test uncovered flaw from an uninitialized array</a:t>
-            </a:r>
-          </a:p>
-        </p:txBody>
-      </p:sp>
+              <a:t>More planning / better organized notes</a:t>
+            </a:r>
+          </a:p>
+          <a:p>
+            <a:r>
+              <a:rPr lang="en-US" dirty="0"/>
+              <a:t>Approach to test driven development</a:t>
+            </a:r>
+          </a:p>
+          <a:p>
+            <a:r>
+              <a:rPr lang="en-US" dirty="0"/>
+              <a:t>Random ID generation – retrying if it fails, rather than exiting</a:t>
+            </a:r>
+          </a:p>
+          <a:p>
+            <a:r>
+              <a:rPr lang="en-US" dirty="0"/>
+              <a:t>Testing for NULL pointers in function arguments</a:t>
+            </a:r>
+          </a:p>
+          <a:p>
+            <a:r>
+              <a:rPr lang="en-US" dirty="0"/>
+              <a:t>Naming conventions</a:t>
+            </a:r>
+          </a:p>
+          <a:p>
+            <a:r>
+              <a:rPr lang="en-US" dirty="0"/>
+              <a:t>Workspace cleanliness</a:t>
+            </a:r>
+          </a:p>
+        </p:txBody>
+      </p:sp>
+      <p:pic>
+        <p:nvPicPr>
+          <p:cNvPr id="5" name="Picture 4" descr="Stopwatch">
+            <a:extLst>
+              <a:ext uri="{FF2B5EF4-FFF2-40B4-BE49-F238E27FC236}">
+                <a16:creationId xmlns:a16="http://schemas.microsoft.com/office/drawing/2014/main" id="{11BCFD20-36CD-5619-5CDD-E452F9C9CE05}"/>
+              </a:ext>
+            </a:extLst>
+          </p:cNvPr>
+          <p:cNvPicPr>
+            <a:picLocks noChangeAspect="1"/>
+          </p:cNvPicPr>
+          <p:nvPr/>
+        </p:nvPicPr>
+        <p:blipFill>
+          <a:blip r:embed="rId2">
+            <a:extLst>
+              <a:ext uri="{28A0092B-C50C-407E-A947-70E740481C1C}">
+                <a14:useLocalDpi xmlns:a14="http://schemas.microsoft.com/office/drawing/2010/main" val="0"/>
+              </a:ext>
+            </a:extLst>
+          </a:blip>
+          <a:stretch>
+            <a:fillRect/>
+          </a:stretch>
+        </p:blipFill>
+        <p:spPr>
+          <a:xfrm>
+            <a:off x="7152794" y="4136066"/>
+            <a:ext cx="2516037" cy="1477926"/>
+          </a:xfrm>
+          <a:prstGeom prst="rect">
+            <a:avLst/>
+          </a:prstGeom>
+        </p:spPr>
+      </p:pic>
     </p:spTree>
     <p:extLst>
       <p:ext uri="{BB962C8B-B14F-4D97-AF65-F5344CB8AC3E}">
-        <p14:creationId xmlns:p14="http://schemas.microsoft.com/office/powerpoint/2010/main" val="2811229468"/>
+        <p14:creationId xmlns:p14="http://schemas.microsoft.com/office/powerpoint/2010/main" val="2986241351"/>
       </p:ext>
     </p:extLst>
   </p:cSld>
@@ -4271,7 +4372,7 @@
           <p:cNvPr id="2" name="Title 1">
             <a:extLst>
               <a:ext uri="{FF2B5EF4-FFF2-40B4-BE49-F238E27FC236}">
-                <a16:creationId xmlns:a16="http://schemas.microsoft.com/office/drawing/2014/main" id="{C03CE553-869B-88B7-A9E1-606DF3FA0E61}"/>
+                <a16:creationId xmlns:a16="http://schemas.microsoft.com/office/drawing/2014/main" id="{6EF58BC9-101E-D549-F30D-3F4D216C6925}"/>
               </a:ext>
             </a:extLst>
           </p:cNvPr>
@@ -4289,40 +4390,50 @@
           <a:p>
             <a:r>
               <a:rPr lang="en-US" dirty="0"/>
-              <a:t>Improvements</a:t>
-            </a:r>
-          </a:p>
-        </p:txBody>
-      </p:sp>
-      <p:sp>
-        <p:nvSpPr>
-          <p:cNvPr id="3" name="Content Placeholder 2">
+              <a:t>Questions</a:t>
+            </a:r>
+          </a:p>
+        </p:txBody>
+      </p:sp>
+      <p:pic>
+        <p:nvPicPr>
+          <p:cNvPr id="9" name="Content Placeholder 8" descr="Question mark against red wall">
             <a:extLst>
               <a:ext uri="{FF2B5EF4-FFF2-40B4-BE49-F238E27FC236}">
-                <a16:creationId xmlns:a16="http://schemas.microsoft.com/office/drawing/2014/main" id="{1A35CEC4-18E0-63C3-00F7-7AC6F3AA04CD}"/>
+                <a16:creationId xmlns:a16="http://schemas.microsoft.com/office/drawing/2014/main" id="{52F59EC4-87D6-D5F2-F8BA-60D6503D59BA}"/>
               </a:ext>
             </a:extLst>
           </p:cNvPr>
-          <p:cNvSpPr>
-            <a:spLocks noGrp="1"/>
-          </p:cNvSpPr>
+          <p:cNvPicPr>
+            <a:picLocks noGrp="1" noChangeAspect="1"/>
+          </p:cNvPicPr>
           <p:nvPr>
             <p:ph idx="1"/>
           </p:nvPr>
-        </p:nvSpPr>
-        <p:spPr/>
-        <p:txBody>
-          <a:bodyPr/>
-          <a:lstStyle/>
-          <a:p>
-            <a:endParaRPr lang="en-US" dirty="0"/>
-          </a:p>
-        </p:txBody>
-      </p:sp>
+        </p:nvPicPr>
+        <p:blipFill>
+          <a:blip r:embed="rId2">
+            <a:extLst>
+              <a:ext uri="{28A0092B-C50C-407E-A947-70E740481C1C}">
+                <a14:useLocalDpi xmlns:a14="http://schemas.microsoft.com/office/drawing/2010/main" val="0"/>
+              </a:ext>
+            </a:extLst>
+          </a:blip>
+          <a:stretch>
+            <a:fillRect/>
+          </a:stretch>
+        </p:blipFill>
+        <p:spPr>
+          <a:xfrm>
+            <a:off x="5072219" y="1919190"/>
+            <a:ext cx="4995299" cy="3019619"/>
+          </a:xfrm>
+        </p:spPr>
+      </p:pic>
     </p:spTree>
     <p:extLst>
       <p:ext uri="{BB962C8B-B14F-4D97-AF65-F5344CB8AC3E}">
-        <p14:creationId xmlns:p14="http://schemas.microsoft.com/office/powerpoint/2010/main" val="2986241351"/>
+        <p14:creationId xmlns:p14="http://schemas.microsoft.com/office/powerpoint/2010/main" val="3544380057"/>
       </p:ext>
     </p:extLst>
   </p:cSld>
@@ -4354,7 +4465,7 @@
           <p:cNvPr id="2" name="Title 1">
             <a:extLst>
               <a:ext uri="{FF2B5EF4-FFF2-40B4-BE49-F238E27FC236}">
-                <a16:creationId xmlns:a16="http://schemas.microsoft.com/office/drawing/2014/main" id="{6EF58BC9-101E-D549-F30D-3F4D216C6925}"/>
+                <a16:creationId xmlns:a16="http://schemas.microsoft.com/office/drawing/2014/main" id="{262FC0D4-C6B6-E929-65A4-85450FFFF110}"/>
               </a:ext>
             </a:extLst>
           </p:cNvPr>
@@ -4371,41 +4482,72 @@
           <a:lstStyle/>
           <a:p>
             <a:r>
-              <a:rPr lang="en-US" dirty="0"/>
-              <a:t>Improvements</a:t>
-            </a:r>
-          </a:p>
-        </p:txBody>
-      </p:sp>
-      <p:sp>
-        <p:nvSpPr>
-          <p:cNvPr id="3" name="Content Placeholder 2">
+              <a:rPr lang="en-US" dirty="0" err="1"/>
+              <a:t>Tricopter</a:t>
+            </a:r>
+            <a:br>
+              <a:rPr lang="en-US" dirty="0"/>
+            </a:br>
+            <a:r>
+              <a:rPr lang="en-US" dirty="0"/>
+              <a:t>yaw</a:t>
+            </a:r>
+          </a:p>
+        </p:txBody>
+      </p:sp>
+      <p:pic>
+        <p:nvPicPr>
+          <p:cNvPr id="1026" name="Picture 2" descr="TricopteratTopDown-copy">
             <a:extLst>
               <a:ext uri="{FF2B5EF4-FFF2-40B4-BE49-F238E27FC236}">
-                <a16:creationId xmlns:a16="http://schemas.microsoft.com/office/drawing/2014/main" id="{55F72B30-2708-B105-5ECD-D0916AFBC2F2}"/>
+                <a16:creationId xmlns:a16="http://schemas.microsoft.com/office/drawing/2014/main" id="{25AE8DD0-A09C-550B-1E09-D532238FEBAA}"/>
               </a:ext>
             </a:extLst>
           </p:cNvPr>
-          <p:cNvSpPr>
-            <a:spLocks noGrp="1"/>
-          </p:cNvSpPr>
+          <p:cNvPicPr>
+            <a:picLocks noGrp="1" noChangeAspect="1" noChangeArrowheads="1"/>
+          </p:cNvPicPr>
           <p:nvPr>
             <p:ph idx="1"/>
           </p:nvPr>
-        </p:nvSpPr>
-        <p:spPr/>
-        <p:txBody>
-          <a:bodyPr/>
-          <a:lstStyle/>
-          <a:p>
-            <a:endParaRPr lang="en-US"/>
-          </a:p>
-        </p:txBody>
-      </p:sp>
+        </p:nvPicPr>
+        <p:blipFill>
+          <a:blip r:embed="rId2">
+            <a:extLst>
+              <a:ext uri="{28A0092B-C50C-407E-A947-70E740481C1C}">
+                <a14:useLocalDpi xmlns:a14="http://schemas.microsoft.com/office/drawing/2010/main" val="0"/>
+              </a:ext>
+            </a:extLst>
+          </a:blip>
+          <a:srcRect/>
+          <a:stretch>
+            <a:fillRect/>
+          </a:stretch>
+        </p:blipFill>
+        <p:spPr bwMode="auto">
+          <a:xfrm>
+            <a:off x="5479562" y="1174715"/>
+            <a:ext cx="4313755" cy="4508570"/>
+          </a:xfrm>
+          <a:prstGeom prst="rect">
+            <a:avLst/>
+          </a:prstGeom>
+          <a:noFill/>
+          <a:extLst>
+            <a:ext uri="{909E8E84-426E-40DD-AFC4-6F175D3DCCD1}">
+              <a14:hiddenFill xmlns:a14="http://schemas.microsoft.com/office/drawing/2010/main">
+                <a:solidFill>
+                  <a:srgbClr val="FFFFFF"/>
+                </a:solidFill>
+              </a14:hiddenFill>
+            </a:ext>
+          </a:extLst>
+        </p:spPr>
+      </p:pic>
     </p:spTree>
     <p:extLst>
       <p:ext uri="{BB962C8B-B14F-4D97-AF65-F5344CB8AC3E}">
-        <p14:creationId xmlns:p14="http://schemas.microsoft.com/office/powerpoint/2010/main" val="3544380057"/>
+        <p14:creationId xmlns:p14="http://schemas.microsoft.com/office/powerpoint/2010/main" val="2324650109"/>
       </p:ext>
     </p:extLst>
   </p:cSld>

--- a/notes/joby_evtol_presentation.pptx
+++ b/notes/joby_evtol_presentation.pptx
@@ -4,15 +4,20 @@
   <p:sldMasterIdLst>
     <p:sldMasterId id="2147483684" r:id="rId1"/>
   </p:sldMasterIdLst>
+  <p:notesMasterIdLst>
+    <p:notesMasterId r:id="rId12"/>
+  </p:notesMasterIdLst>
   <p:sldIdLst>
     <p:sldId id="256" r:id="rId2"/>
     <p:sldId id="257" r:id="rId3"/>
     <p:sldId id="259" r:id="rId4"/>
-    <p:sldId id="258" r:id="rId5"/>
-    <p:sldId id="267" r:id="rId6"/>
-    <p:sldId id="263" r:id="rId7"/>
-    <p:sldId id="265" r:id="rId8"/>
-    <p:sldId id="268" r:id="rId9"/>
+    <p:sldId id="270" r:id="rId5"/>
+    <p:sldId id="258" r:id="rId6"/>
+    <p:sldId id="267" r:id="rId7"/>
+    <p:sldId id="269" r:id="rId8"/>
+    <p:sldId id="263" r:id="rId9"/>
+    <p:sldId id="265" r:id="rId10"/>
+    <p:sldId id="268" r:id="rId11"/>
   </p:sldIdLst>
   <p:sldSz cx="12192000" cy="6858000"/>
   <p:notesSz cx="6858000" cy="9144000"/>
@@ -119,6 +124,1207 @@
 </p:presentation>
 </file>
 
+<file path=ppt/notesMasters/notesMaster1.xml><?xml version="1.0" encoding="utf-8"?>
+<p:notesMaster xmlns:a="http://schemas.openxmlformats.org/drawingml/2006/main" xmlns:r="http://schemas.openxmlformats.org/officeDocument/2006/relationships" xmlns:p="http://schemas.openxmlformats.org/presentationml/2006/main">
+  <p:cSld>
+    <p:bg>
+      <p:bgRef idx="1001">
+        <a:schemeClr val="bg1"/>
+      </p:bgRef>
+    </p:bg>
+    <p:spTree>
+      <p:nvGrpSpPr>
+        <p:cNvPr id="1" name=""/>
+        <p:cNvGrpSpPr/>
+        <p:nvPr/>
+      </p:nvGrpSpPr>
+      <p:grpSpPr>
+        <a:xfrm>
+          <a:off x="0" y="0"/>
+          <a:ext cx="0" cy="0"/>
+          <a:chOff x="0" y="0"/>
+          <a:chExt cx="0" cy="0"/>
+        </a:xfrm>
+      </p:grpSpPr>
+      <p:sp>
+        <p:nvSpPr>
+          <p:cNvPr id="2" name="Header Placeholder 1"/>
+          <p:cNvSpPr>
+            <a:spLocks noGrp="1"/>
+          </p:cNvSpPr>
+          <p:nvPr>
+            <p:ph type="hdr" sz="quarter"/>
+          </p:nvPr>
+        </p:nvSpPr>
+        <p:spPr>
+          <a:xfrm>
+            <a:off x="0" y="0"/>
+            <a:ext cx="2971800" cy="458788"/>
+          </a:xfrm>
+          <a:prstGeom prst="rect">
+            <a:avLst/>
+          </a:prstGeom>
+        </p:spPr>
+        <p:txBody>
+          <a:bodyPr vert="horz" lIns="91440" tIns="45720" rIns="91440" bIns="45720" rtlCol="0"/>
+          <a:lstStyle>
+            <a:lvl1pPr algn="l">
+              <a:defRPr sz="1200"/>
+            </a:lvl1pPr>
+          </a:lstStyle>
+          <a:p>
+            <a:endParaRPr lang="en-US"/>
+          </a:p>
+        </p:txBody>
+      </p:sp>
+      <p:sp>
+        <p:nvSpPr>
+          <p:cNvPr id="3" name="Date Placeholder 2"/>
+          <p:cNvSpPr>
+            <a:spLocks noGrp="1"/>
+          </p:cNvSpPr>
+          <p:nvPr>
+            <p:ph type="dt" idx="1"/>
+          </p:nvPr>
+        </p:nvSpPr>
+        <p:spPr>
+          <a:xfrm>
+            <a:off x="3884613" y="0"/>
+            <a:ext cx="2971800" cy="458788"/>
+          </a:xfrm>
+          <a:prstGeom prst="rect">
+            <a:avLst/>
+          </a:prstGeom>
+        </p:spPr>
+        <p:txBody>
+          <a:bodyPr vert="horz" lIns="91440" tIns="45720" rIns="91440" bIns="45720" rtlCol="0"/>
+          <a:lstStyle>
+            <a:lvl1pPr algn="r">
+              <a:defRPr sz="1200"/>
+            </a:lvl1pPr>
+          </a:lstStyle>
+          <a:p>
+            <a:fld id="{4FF1D9C4-3E5D-4616-87FC-5969AE3650E4}" type="datetimeFigureOut">
+              <a:rPr lang="en-US" smtClean="0"/>
+              <a:t>11/3/2024</a:t>
+            </a:fld>
+            <a:endParaRPr lang="en-US"/>
+          </a:p>
+        </p:txBody>
+      </p:sp>
+      <p:sp>
+        <p:nvSpPr>
+          <p:cNvPr id="4" name="Slide Image Placeholder 3"/>
+          <p:cNvSpPr>
+            <a:spLocks noGrp="1" noRot="1" noChangeAspect="1"/>
+          </p:cNvSpPr>
+          <p:nvPr>
+            <p:ph type="sldImg" idx="2"/>
+          </p:nvPr>
+        </p:nvSpPr>
+        <p:spPr>
+          <a:xfrm>
+            <a:off x="685800" y="1143000"/>
+            <a:ext cx="5486400" cy="3086100"/>
+          </a:xfrm>
+          <a:prstGeom prst="rect">
+            <a:avLst/>
+          </a:prstGeom>
+          <a:noFill/>
+          <a:ln w="12700">
+            <a:solidFill>
+              <a:prstClr val="black"/>
+            </a:solidFill>
+          </a:ln>
+        </p:spPr>
+        <p:txBody>
+          <a:bodyPr vert="horz" lIns="91440" tIns="45720" rIns="91440" bIns="45720" rtlCol="0" anchor="ctr"/>
+          <a:lstStyle/>
+          <a:p>
+            <a:endParaRPr lang="en-US"/>
+          </a:p>
+        </p:txBody>
+      </p:sp>
+      <p:sp>
+        <p:nvSpPr>
+          <p:cNvPr id="5" name="Notes Placeholder 4"/>
+          <p:cNvSpPr>
+            <a:spLocks noGrp="1"/>
+          </p:cNvSpPr>
+          <p:nvPr>
+            <p:ph type="body" sz="quarter" idx="3"/>
+          </p:nvPr>
+        </p:nvSpPr>
+        <p:spPr>
+          <a:xfrm>
+            <a:off x="685800" y="4400550"/>
+            <a:ext cx="5486400" cy="3600450"/>
+          </a:xfrm>
+          <a:prstGeom prst="rect">
+            <a:avLst/>
+          </a:prstGeom>
+        </p:spPr>
+        <p:txBody>
+          <a:bodyPr vert="horz" lIns="91440" tIns="45720" rIns="91440" bIns="45720" rtlCol="0"/>
+          <a:lstStyle/>
+          <a:p>
+            <a:pPr lvl="0"/>
+            <a:r>
+              <a:rPr lang="en-US"/>
+              <a:t>Click to edit Master text styles</a:t>
+            </a:r>
+          </a:p>
+          <a:p>
+            <a:pPr lvl="1"/>
+            <a:r>
+              <a:rPr lang="en-US"/>
+              <a:t>Second level</a:t>
+            </a:r>
+          </a:p>
+          <a:p>
+            <a:pPr lvl="2"/>
+            <a:r>
+              <a:rPr lang="en-US"/>
+              <a:t>Third level</a:t>
+            </a:r>
+          </a:p>
+          <a:p>
+            <a:pPr lvl="3"/>
+            <a:r>
+              <a:rPr lang="en-US"/>
+              <a:t>Fourth level</a:t>
+            </a:r>
+          </a:p>
+          <a:p>
+            <a:pPr lvl="4"/>
+            <a:r>
+              <a:rPr lang="en-US"/>
+              <a:t>Fifth level</a:t>
+            </a:r>
+          </a:p>
+        </p:txBody>
+      </p:sp>
+      <p:sp>
+        <p:nvSpPr>
+          <p:cNvPr id="6" name="Footer Placeholder 5"/>
+          <p:cNvSpPr>
+            <a:spLocks noGrp="1"/>
+          </p:cNvSpPr>
+          <p:nvPr>
+            <p:ph type="ftr" sz="quarter" idx="4"/>
+          </p:nvPr>
+        </p:nvSpPr>
+        <p:spPr>
+          <a:xfrm>
+            <a:off x="0" y="8685213"/>
+            <a:ext cx="2971800" cy="458787"/>
+          </a:xfrm>
+          <a:prstGeom prst="rect">
+            <a:avLst/>
+          </a:prstGeom>
+        </p:spPr>
+        <p:txBody>
+          <a:bodyPr vert="horz" lIns="91440" tIns="45720" rIns="91440" bIns="45720" rtlCol="0" anchor="b"/>
+          <a:lstStyle>
+            <a:lvl1pPr algn="l">
+              <a:defRPr sz="1200"/>
+            </a:lvl1pPr>
+          </a:lstStyle>
+          <a:p>
+            <a:endParaRPr lang="en-US"/>
+          </a:p>
+        </p:txBody>
+      </p:sp>
+      <p:sp>
+        <p:nvSpPr>
+          <p:cNvPr id="7" name="Slide Number Placeholder 6"/>
+          <p:cNvSpPr>
+            <a:spLocks noGrp="1"/>
+          </p:cNvSpPr>
+          <p:nvPr>
+            <p:ph type="sldNum" sz="quarter" idx="5"/>
+          </p:nvPr>
+        </p:nvSpPr>
+        <p:spPr>
+          <a:xfrm>
+            <a:off x="3884613" y="8685213"/>
+            <a:ext cx="2971800" cy="458787"/>
+          </a:xfrm>
+          <a:prstGeom prst="rect">
+            <a:avLst/>
+          </a:prstGeom>
+        </p:spPr>
+        <p:txBody>
+          <a:bodyPr vert="horz" lIns="91440" tIns="45720" rIns="91440" bIns="45720" rtlCol="0" anchor="b"/>
+          <a:lstStyle>
+            <a:lvl1pPr algn="r">
+              <a:defRPr sz="1200"/>
+            </a:lvl1pPr>
+          </a:lstStyle>
+          <a:p>
+            <a:fld id="{EC5512BD-6841-4226-A1BB-EEC559387077}" type="slidenum">
+              <a:rPr lang="en-US" smtClean="0"/>
+              <a:t>‹#›</a:t>
+            </a:fld>
+            <a:endParaRPr lang="en-US"/>
+          </a:p>
+        </p:txBody>
+      </p:sp>
+    </p:spTree>
+    <p:extLst>
+      <p:ext uri="{BB962C8B-B14F-4D97-AF65-F5344CB8AC3E}">
+        <p14:creationId xmlns:p14="http://schemas.microsoft.com/office/powerpoint/2010/main" val="3027953535"/>
+      </p:ext>
+    </p:extLst>
+  </p:cSld>
+  <p:clrMap bg1="lt1" tx1="dk1" bg2="lt2" tx2="dk2" accent1="accent1" accent2="accent2" accent3="accent3" accent4="accent4" accent5="accent5" accent6="accent6" hlink="hlink" folHlink="folHlink"/>
+  <p:notesStyle>
+    <a:lvl1pPr marL="0" algn="l" defTabSz="914400" rtl="0" eaLnBrk="1" latinLnBrk="0" hangingPunct="1">
+      <a:defRPr sz="1200" kern="1200">
+        <a:solidFill>
+          <a:schemeClr val="tx1"/>
+        </a:solidFill>
+        <a:latin typeface="+mn-lt"/>
+        <a:ea typeface="+mn-ea"/>
+        <a:cs typeface="+mn-cs"/>
+      </a:defRPr>
+    </a:lvl1pPr>
+    <a:lvl2pPr marL="457200" algn="l" defTabSz="914400" rtl="0" eaLnBrk="1" latinLnBrk="0" hangingPunct="1">
+      <a:defRPr sz="1200" kern="1200">
+        <a:solidFill>
+          <a:schemeClr val="tx1"/>
+        </a:solidFill>
+        <a:latin typeface="+mn-lt"/>
+        <a:ea typeface="+mn-ea"/>
+        <a:cs typeface="+mn-cs"/>
+      </a:defRPr>
+    </a:lvl2pPr>
+    <a:lvl3pPr marL="914400" algn="l" defTabSz="914400" rtl="0" eaLnBrk="1" latinLnBrk="0" hangingPunct="1">
+      <a:defRPr sz="1200" kern="1200">
+        <a:solidFill>
+          <a:schemeClr val="tx1"/>
+        </a:solidFill>
+        <a:latin typeface="+mn-lt"/>
+        <a:ea typeface="+mn-ea"/>
+        <a:cs typeface="+mn-cs"/>
+      </a:defRPr>
+    </a:lvl3pPr>
+    <a:lvl4pPr marL="1371600" algn="l" defTabSz="914400" rtl="0" eaLnBrk="1" latinLnBrk="0" hangingPunct="1">
+      <a:defRPr sz="1200" kern="1200">
+        <a:solidFill>
+          <a:schemeClr val="tx1"/>
+        </a:solidFill>
+        <a:latin typeface="+mn-lt"/>
+        <a:ea typeface="+mn-ea"/>
+        <a:cs typeface="+mn-cs"/>
+      </a:defRPr>
+    </a:lvl4pPr>
+    <a:lvl5pPr marL="1828800" algn="l" defTabSz="914400" rtl="0" eaLnBrk="1" latinLnBrk="0" hangingPunct="1">
+      <a:defRPr sz="1200" kern="1200">
+        <a:solidFill>
+          <a:schemeClr val="tx1"/>
+        </a:solidFill>
+        <a:latin typeface="+mn-lt"/>
+        <a:ea typeface="+mn-ea"/>
+        <a:cs typeface="+mn-cs"/>
+      </a:defRPr>
+    </a:lvl5pPr>
+    <a:lvl6pPr marL="2286000" algn="l" defTabSz="914400" rtl="0" eaLnBrk="1" latinLnBrk="0" hangingPunct="1">
+      <a:defRPr sz="1200" kern="1200">
+        <a:solidFill>
+          <a:schemeClr val="tx1"/>
+        </a:solidFill>
+        <a:latin typeface="+mn-lt"/>
+        <a:ea typeface="+mn-ea"/>
+        <a:cs typeface="+mn-cs"/>
+      </a:defRPr>
+    </a:lvl6pPr>
+    <a:lvl7pPr marL="2743200" algn="l" defTabSz="914400" rtl="0" eaLnBrk="1" latinLnBrk="0" hangingPunct="1">
+      <a:defRPr sz="1200" kern="1200">
+        <a:solidFill>
+          <a:schemeClr val="tx1"/>
+        </a:solidFill>
+        <a:latin typeface="+mn-lt"/>
+        <a:ea typeface="+mn-ea"/>
+        <a:cs typeface="+mn-cs"/>
+      </a:defRPr>
+    </a:lvl7pPr>
+    <a:lvl8pPr marL="3200400" algn="l" defTabSz="914400" rtl="0" eaLnBrk="1" latinLnBrk="0" hangingPunct="1">
+      <a:defRPr sz="1200" kern="1200">
+        <a:solidFill>
+          <a:schemeClr val="tx1"/>
+        </a:solidFill>
+        <a:latin typeface="+mn-lt"/>
+        <a:ea typeface="+mn-ea"/>
+        <a:cs typeface="+mn-cs"/>
+      </a:defRPr>
+    </a:lvl8pPr>
+    <a:lvl9pPr marL="3657600" algn="l" defTabSz="914400" rtl="0" eaLnBrk="1" latinLnBrk="0" hangingPunct="1">
+      <a:defRPr sz="1200" kern="1200">
+        <a:solidFill>
+          <a:schemeClr val="tx1"/>
+        </a:solidFill>
+        <a:latin typeface="+mn-lt"/>
+        <a:ea typeface="+mn-ea"/>
+        <a:cs typeface="+mn-cs"/>
+      </a:defRPr>
+    </a:lvl9pPr>
+  </p:notesStyle>
+</p:notesMaster>
+</file>
+
+<file path=ppt/notesSlides/notesSlide1.xml><?xml version="1.0" encoding="utf-8"?>
+<p:notes xmlns:a="http://schemas.openxmlformats.org/drawingml/2006/main" xmlns:r="http://schemas.openxmlformats.org/officeDocument/2006/relationships" xmlns:p="http://schemas.openxmlformats.org/presentationml/2006/main">
+  <p:cSld>
+    <p:spTree>
+      <p:nvGrpSpPr>
+        <p:cNvPr id="1" name=""/>
+        <p:cNvGrpSpPr/>
+        <p:nvPr/>
+      </p:nvGrpSpPr>
+      <p:grpSpPr>
+        <a:xfrm>
+          <a:off x="0" y="0"/>
+          <a:ext cx="0" cy="0"/>
+          <a:chOff x="0" y="0"/>
+          <a:chExt cx="0" cy="0"/>
+        </a:xfrm>
+      </p:grpSpPr>
+      <p:sp>
+        <p:nvSpPr>
+          <p:cNvPr id="2" name="Slide Image Placeholder 1"/>
+          <p:cNvSpPr>
+            <a:spLocks noGrp="1" noRot="1" noChangeAspect="1"/>
+          </p:cNvSpPr>
+          <p:nvPr>
+            <p:ph type="sldImg"/>
+          </p:nvPr>
+        </p:nvSpPr>
+        <p:spPr/>
+      </p:sp>
+      <p:sp>
+        <p:nvSpPr>
+          <p:cNvPr id="3" name="Notes Placeholder 2"/>
+          <p:cNvSpPr>
+            <a:spLocks noGrp="1"/>
+          </p:cNvSpPr>
+          <p:nvPr>
+            <p:ph type="body" idx="1"/>
+          </p:nvPr>
+        </p:nvSpPr>
+        <p:spPr/>
+        <p:txBody>
+          <a:bodyPr/>
+          <a:lstStyle/>
+          <a:p>
+            <a:endParaRPr lang="en-US"/>
+          </a:p>
+        </p:txBody>
+      </p:sp>
+      <p:sp>
+        <p:nvSpPr>
+          <p:cNvPr id="4" name="Slide Number Placeholder 3"/>
+          <p:cNvSpPr>
+            <a:spLocks noGrp="1"/>
+          </p:cNvSpPr>
+          <p:nvPr>
+            <p:ph type="sldNum" sz="quarter" idx="5"/>
+          </p:nvPr>
+        </p:nvSpPr>
+        <p:spPr/>
+        <p:txBody>
+          <a:bodyPr/>
+          <a:lstStyle/>
+          <a:p>
+            <a:fld id="{EC5512BD-6841-4226-A1BB-EEC559387077}" type="slidenum">
+              <a:rPr lang="en-US" smtClean="0"/>
+              <a:t>1</a:t>
+            </a:fld>
+            <a:endParaRPr lang="en-US"/>
+          </a:p>
+        </p:txBody>
+      </p:sp>
+    </p:spTree>
+    <p:extLst>
+      <p:ext uri="{BB962C8B-B14F-4D97-AF65-F5344CB8AC3E}">
+        <p14:creationId xmlns:p14="http://schemas.microsoft.com/office/powerpoint/2010/main" val="3227129644"/>
+      </p:ext>
+    </p:extLst>
+  </p:cSld>
+  <p:clrMapOvr>
+    <a:masterClrMapping/>
+  </p:clrMapOvr>
+</p:notes>
+</file>
+
+<file path=ppt/notesSlides/notesSlide10.xml><?xml version="1.0" encoding="utf-8"?>
+<p:notes xmlns:a="http://schemas.openxmlformats.org/drawingml/2006/main" xmlns:r="http://schemas.openxmlformats.org/officeDocument/2006/relationships" xmlns:p="http://schemas.openxmlformats.org/presentationml/2006/main">
+  <p:cSld>
+    <p:spTree>
+      <p:nvGrpSpPr>
+        <p:cNvPr id="1" name=""/>
+        <p:cNvGrpSpPr/>
+        <p:nvPr/>
+      </p:nvGrpSpPr>
+      <p:grpSpPr>
+        <a:xfrm>
+          <a:off x="0" y="0"/>
+          <a:ext cx="0" cy="0"/>
+          <a:chOff x="0" y="0"/>
+          <a:chExt cx="0" cy="0"/>
+        </a:xfrm>
+      </p:grpSpPr>
+      <p:sp>
+        <p:nvSpPr>
+          <p:cNvPr id="2" name="Slide Image Placeholder 1"/>
+          <p:cNvSpPr>
+            <a:spLocks noGrp="1" noRot="1" noChangeAspect="1"/>
+          </p:cNvSpPr>
+          <p:nvPr>
+            <p:ph type="sldImg"/>
+          </p:nvPr>
+        </p:nvSpPr>
+        <p:spPr/>
+      </p:sp>
+      <p:sp>
+        <p:nvSpPr>
+          <p:cNvPr id="3" name="Notes Placeholder 2"/>
+          <p:cNvSpPr>
+            <a:spLocks noGrp="1"/>
+          </p:cNvSpPr>
+          <p:nvPr>
+            <p:ph type="body" idx="1"/>
+          </p:nvPr>
+        </p:nvSpPr>
+        <p:spPr/>
+        <p:txBody>
+          <a:bodyPr/>
+          <a:lstStyle/>
+          <a:p>
+            <a:endParaRPr lang="en-US"/>
+          </a:p>
+        </p:txBody>
+      </p:sp>
+      <p:sp>
+        <p:nvSpPr>
+          <p:cNvPr id="4" name="Slide Number Placeholder 3"/>
+          <p:cNvSpPr>
+            <a:spLocks noGrp="1"/>
+          </p:cNvSpPr>
+          <p:nvPr>
+            <p:ph type="sldNum" sz="quarter" idx="5"/>
+          </p:nvPr>
+        </p:nvSpPr>
+        <p:spPr/>
+        <p:txBody>
+          <a:bodyPr/>
+          <a:lstStyle/>
+          <a:p>
+            <a:fld id="{EC5512BD-6841-4226-A1BB-EEC559387077}" type="slidenum">
+              <a:rPr lang="en-US" smtClean="0"/>
+              <a:t>10</a:t>
+            </a:fld>
+            <a:endParaRPr lang="en-US"/>
+          </a:p>
+        </p:txBody>
+      </p:sp>
+    </p:spTree>
+    <p:extLst>
+      <p:ext uri="{BB962C8B-B14F-4D97-AF65-F5344CB8AC3E}">
+        <p14:creationId xmlns:p14="http://schemas.microsoft.com/office/powerpoint/2010/main" val="3874436304"/>
+      </p:ext>
+    </p:extLst>
+  </p:cSld>
+  <p:clrMapOvr>
+    <a:masterClrMapping/>
+  </p:clrMapOvr>
+</p:notes>
+</file>
+
+<file path=ppt/notesSlides/notesSlide2.xml><?xml version="1.0" encoding="utf-8"?>
+<p:notes xmlns:a="http://schemas.openxmlformats.org/drawingml/2006/main" xmlns:r="http://schemas.openxmlformats.org/officeDocument/2006/relationships" xmlns:p="http://schemas.openxmlformats.org/presentationml/2006/main">
+  <p:cSld>
+    <p:spTree>
+      <p:nvGrpSpPr>
+        <p:cNvPr id="1" name=""/>
+        <p:cNvGrpSpPr/>
+        <p:nvPr/>
+      </p:nvGrpSpPr>
+      <p:grpSpPr>
+        <a:xfrm>
+          <a:off x="0" y="0"/>
+          <a:ext cx="0" cy="0"/>
+          <a:chOff x="0" y="0"/>
+          <a:chExt cx="0" cy="0"/>
+        </a:xfrm>
+      </p:grpSpPr>
+      <p:sp>
+        <p:nvSpPr>
+          <p:cNvPr id="2" name="Slide Image Placeholder 1"/>
+          <p:cNvSpPr>
+            <a:spLocks noGrp="1" noRot="1" noChangeAspect="1"/>
+          </p:cNvSpPr>
+          <p:nvPr>
+            <p:ph type="sldImg"/>
+          </p:nvPr>
+        </p:nvSpPr>
+        <p:spPr/>
+      </p:sp>
+      <p:sp>
+        <p:nvSpPr>
+          <p:cNvPr id="3" name="Notes Placeholder 2"/>
+          <p:cNvSpPr>
+            <a:spLocks noGrp="1"/>
+          </p:cNvSpPr>
+          <p:nvPr>
+            <p:ph type="body" idx="1"/>
+          </p:nvPr>
+        </p:nvSpPr>
+        <p:spPr/>
+        <p:txBody>
+          <a:bodyPr/>
+          <a:lstStyle/>
+          <a:p>
+            <a:endParaRPr lang="en-US"/>
+          </a:p>
+        </p:txBody>
+      </p:sp>
+      <p:sp>
+        <p:nvSpPr>
+          <p:cNvPr id="4" name="Slide Number Placeholder 3"/>
+          <p:cNvSpPr>
+            <a:spLocks noGrp="1"/>
+          </p:cNvSpPr>
+          <p:nvPr>
+            <p:ph type="sldNum" sz="quarter" idx="5"/>
+          </p:nvPr>
+        </p:nvSpPr>
+        <p:spPr/>
+        <p:txBody>
+          <a:bodyPr/>
+          <a:lstStyle/>
+          <a:p>
+            <a:fld id="{EC5512BD-6841-4226-A1BB-EEC559387077}" type="slidenum">
+              <a:rPr lang="en-US" smtClean="0"/>
+              <a:t>2</a:t>
+            </a:fld>
+            <a:endParaRPr lang="en-US"/>
+          </a:p>
+        </p:txBody>
+      </p:sp>
+    </p:spTree>
+    <p:extLst>
+      <p:ext uri="{BB962C8B-B14F-4D97-AF65-F5344CB8AC3E}">
+        <p14:creationId xmlns:p14="http://schemas.microsoft.com/office/powerpoint/2010/main" val="3658459115"/>
+      </p:ext>
+    </p:extLst>
+  </p:cSld>
+  <p:clrMapOvr>
+    <a:masterClrMapping/>
+  </p:clrMapOvr>
+</p:notes>
+</file>
+
+<file path=ppt/notesSlides/notesSlide3.xml><?xml version="1.0" encoding="utf-8"?>
+<p:notes xmlns:a="http://schemas.openxmlformats.org/drawingml/2006/main" xmlns:r="http://schemas.openxmlformats.org/officeDocument/2006/relationships" xmlns:p="http://schemas.openxmlformats.org/presentationml/2006/main">
+  <p:cSld>
+    <p:spTree>
+      <p:nvGrpSpPr>
+        <p:cNvPr id="1" name=""/>
+        <p:cNvGrpSpPr/>
+        <p:nvPr/>
+      </p:nvGrpSpPr>
+      <p:grpSpPr>
+        <a:xfrm>
+          <a:off x="0" y="0"/>
+          <a:ext cx="0" cy="0"/>
+          <a:chOff x="0" y="0"/>
+          <a:chExt cx="0" cy="0"/>
+        </a:xfrm>
+      </p:grpSpPr>
+      <p:sp>
+        <p:nvSpPr>
+          <p:cNvPr id="2" name="Slide Image Placeholder 1"/>
+          <p:cNvSpPr>
+            <a:spLocks noGrp="1" noRot="1" noChangeAspect="1"/>
+          </p:cNvSpPr>
+          <p:nvPr>
+            <p:ph type="sldImg"/>
+          </p:nvPr>
+        </p:nvSpPr>
+        <p:spPr/>
+      </p:sp>
+      <p:sp>
+        <p:nvSpPr>
+          <p:cNvPr id="3" name="Notes Placeholder 2"/>
+          <p:cNvSpPr>
+            <a:spLocks noGrp="1"/>
+          </p:cNvSpPr>
+          <p:nvPr>
+            <p:ph type="body" idx="1"/>
+          </p:nvPr>
+        </p:nvSpPr>
+        <p:spPr/>
+        <p:txBody>
+          <a:bodyPr/>
+          <a:lstStyle/>
+          <a:p>
+            <a:endParaRPr lang="en-US"/>
+          </a:p>
+        </p:txBody>
+      </p:sp>
+      <p:sp>
+        <p:nvSpPr>
+          <p:cNvPr id="4" name="Slide Number Placeholder 3"/>
+          <p:cNvSpPr>
+            <a:spLocks noGrp="1"/>
+          </p:cNvSpPr>
+          <p:nvPr>
+            <p:ph type="sldNum" sz="quarter" idx="5"/>
+          </p:nvPr>
+        </p:nvSpPr>
+        <p:spPr/>
+        <p:txBody>
+          <a:bodyPr/>
+          <a:lstStyle/>
+          <a:p>
+            <a:fld id="{EC5512BD-6841-4226-A1BB-EEC559387077}" type="slidenum">
+              <a:rPr lang="en-US" smtClean="0"/>
+              <a:t>3</a:t>
+            </a:fld>
+            <a:endParaRPr lang="en-US"/>
+          </a:p>
+        </p:txBody>
+      </p:sp>
+    </p:spTree>
+    <p:extLst>
+      <p:ext uri="{BB962C8B-B14F-4D97-AF65-F5344CB8AC3E}">
+        <p14:creationId xmlns:p14="http://schemas.microsoft.com/office/powerpoint/2010/main" val="414447419"/>
+      </p:ext>
+    </p:extLst>
+  </p:cSld>
+  <p:clrMapOvr>
+    <a:masterClrMapping/>
+  </p:clrMapOvr>
+</p:notes>
+</file>
+
+<file path=ppt/notesSlides/notesSlide4.xml><?xml version="1.0" encoding="utf-8"?>
+<p:notes xmlns:a="http://schemas.openxmlformats.org/drawingml/2006/main" xmlns:r="http://schemas.openxmlformats.org/officeDocument/2006/relationships" xmlns:p="http://schemas.openxmlformats.org/presentationml/2006/main">
+  <p:cSld>
+    <p:spTree>
+      <p:nvGrpSpPr>
+        <p:cNvPr id="1" name=""/>
+        <p:cNvGrpSpPr/>
+        <p:nvPr/>
+      </p:nvGrpSpPr>
+      <p:grpSpPr>
+        <a:xfrm>
+          <a:off x="0" y="0"/>
+          <a:ext cx="0" cy="0"/>
+          <a:chOff x="0" y="0"/>
+          <a:chExt cx="0" cy="0"/>
+        </a:xfrm>
+      </p:grpSpPr>
+      <p:sp>
+        <p:nvSpPr>
+          <p:cNvPr id="2" name="Slide Image Placeholder 1"/>
+          <p:cNvSpPr>
+            <a:spLocks noGrp="1" noRot="1" noChangeAspect="1"/>
+          </p:cNvSpPr>
+          <p:nvPr>
+            <p:ph type="sldImg"/>
+          </p:nvPr>
+        </p:nvSpPr>
+        <p:spPr/>
+      </p:sp>
+      <p:sp>
+        <p:nvSpPr>
+          <p:cNvPr id="3" name="Notes Placeholder 2"/>
+          <p:cNvSpPr>
+            <a:spLocks noGrp="1"/>
+          </p:cNvSpPr>
+          <p:nvPr>
+            <p:ph type="body" idx="1"/>
+          </p:nvPr>
+        </p:nvSpPr>
+        <p:spPr/>
+        <p:txBody>
+          <a:bodyPr/>
+          <a:lstStyle/>
+          <a:p>
+            <a:r>
+              <a:rPr lang="en-US" dirty="0"/>
+              <a:t>Ideas more complex now but simplified in planning phase</a:t>
+            </a:r>
+          </a:p>
+        </p:txBody>
+      </p:sp>
+      <p:sp>
+        <p:nvSpPr>
+          <p:cNvPr id="4" name="Slide Number Placeholder 3"/>
+          <p:cNvSpPr>
+            <a:spLocks noGrp="1"/>
+          </p:cNvSpPr>
+          <p:nvPr>
+            <p:ph type="sldNum" sz="quarter" idx="5"/>
+          </p:nvPr>
+        </p:nvSpPr>
+        <p:spPr/>
+        <p:txBody>
+          <a:bodyPr/>
+          <a:lstStyle/>
+          <a:p>
+            <a:fld id="{EC5512BD-6841-4226-A1BB-EEC559387077}" type="slidenum">
+              <a:rPr lang="en-US" smtClean="0"/>
+              <a:t>4</a:t>
+            </a:fld>
+            <a:endParaRPr lang="en-US"/>
+          </a:p>
+        </p:txBody>
+      </p:sp>
+    </p:spTree>
+    <p:extLst>
+      <p:ext uri="{BB962C8B-B14F-4D97-AF65-F5344CB8AC3E}">
+        <p14:creationId xmlns:p14="http://schemas.microsoft.com/office/powerpoint/2010/main" val="3771087639"/>
+      </p:ext>
+    </p:extLst>
+  </p:cSld>
+  <p:clrMapOvr>
+    <a:masterClrMapping/>
+  </p:clrMapOvr>
+</p:notes>
+</file>
+
+<file path=ppt/notesSlides/notesSlide5.xml><?xml version="1.0" encoding="utf-8"?>
+<p:notes xmlns:a="http://schemas.openxmlformats.org/drawingml/2006/main" xmlns:r="http://schemas.openxmlformats.org/officeDocument/2006/relationships" xmlns:p="http://schemas.openxmlformats.org/presentationml/2006/main">
+  <p:cSld>
+    <p:spTree>
+      <p:nvGrpSpPr>
+        <p:cNvPr id="1" name=""/>
+        <p:cNvGrpSpPr/>
+        <p:nvPr/>
+      </p:nvGrpSpPr>
+      <p:grpSpPr>
+        <a:xfrm>
+          <a:off x="0" y="0"/>
+          <a:ext cx="0" cy="0"/>
+          <a:chOff x="0" y="0"/>
+          <a:chExt cx="0" cy="0"/>
+        </a:xfrm>
+      </p:grpSpPr>
+      <p:sp>
+        <p:nvSpPr>
+          <p:cNvPr id="2" name="Slide Image Placeholder 1"/>
+          <p:cNvSpPr>
+            <a:spLocks noGrp="1" noRot="1" noChangeAspect="1"/>
+          </p:cNvSpPr>
+          <p:nvPr>
+            <p:ph type="sldImg"/>
+          </p:nvPr>
+        </p:nvSpPr>
+        <p:spPr/>
+      </p:sp>
+      <p:sp>
+        <p:nvSpPr>
+          <p:cNvPr id="3" name="Notes Placeholder 2"/>
+          <p:cNvSpPr>
+            <a:spLocks noGrp="1"/>
+          </p:cNvSpPr>
+          <p:nvPr>
+            <p:ph type="body" idx="1"/>
+          </p:nvPr>
+        </p:nvSpPr>
+        <p:spPr/>
+        <p:txBody>
+          <a:bodyPr/>
+          <a:lstStyle/>
+          <a:p>
+            <a:r>
+              <a:rPr lang="en-US" dirty="0"/>
+              <a:t>Touch on what was simplified. One aircraft class. Charger number. Charging line.</a:t>
+            </a:r>
+          </a:p>
+        </p:txBody>
+      </p:sp>
+      <p:sp>
+        <p:nvSpPr>
+          <p:cNvPr id="4" name="Slide Number Placeholder 3"/>
+          <p:cNvSpPr>
+            <a:spLocks noGrp="1"/>
+          </p:cNvSpPr>
+          <p:nvPr>
+            <p:ph type="sldNum" sz="quarter" idx="5"/>
+          </p:nvPr>
+        </p:nvSpPr>
+        <p:spPr/>
+        <p:txBody>
+          <a:bodyPr/>
+          <a:lstStyle/>
+          <a:p>
+            <a:fld id="{EC5512BD-6841-4226-A1BB-EEC559387077}" type="slidenum">
+              <a:rPr lang="en-US" smtClean="0"/>
+              <a:t>5</a:t>
+            </a:fld>
+            <a:endParaRPr lang="en-US"/>
+          </a:p>
+        </p:txBody>
+      </p:sp>
+    </p:spTree>
+    <p:extLst>
+      <p:ext uri="{BB962C8B-B14F-4D97-AF65-F5344CB8AC3E}">
+        <p14:creationId xmlns:p14="http://schemas.microsoft.com/office/powerpoint/2010/main" val="856086814"/>
+      </p:ext>
+    </p:extLst>
+  </p:cSld>
+  <p:clrMapOvr>
+    <a:masterClrMapping/>
+  </p:clrMapOvr>
+</p:notes>
+</file>
+
+<file path=ppt/notesSlides/notesSlide6.xml><?xml version="1.0" encoding="utf-8"?>
+<p:notes xmlns:a="http://schemas.openxmlformats.org/drawingml/2006/main" xmlns:r="http://schemas.openxmlformats.org/officeDocument/2006/relationships" xmlns:p="http://schemas.openxmlformats.org/presentationml/2006/main">
+  <p:cSld>
+    <p:spTree>
+      <p:nvGrpSpPr>
+        <p:cNvPr id="1" name=""/>
+        <p:cNvGrpSpPr/>
+        <p:nvPr/>
+      </p:nvGrpSpPr>
+      <p:grpSpPr>
+        <a:xfrm>
+          <a:off x="0" y="0"/>
+          <a:ext cx="0" cy="0"/>
+          <a:chOff x="0" y="0"/>
+          <a:chExt cx="0" cy="0"/>
+        </a:xfrm>
+      </p:grpSpPr>
+      <p:sp>
+        <p:nvSpPr>
+          <p:cNvPr id="2" name="Slide Image Placeholder 1"/>
+          <p:cNvSpPr>
+            <a:spLocks noGrp="1" noRot="1" noChangeAspect="1"/>
+          </p:cNvSpPr>
+          <p:nvPr>
+            <p:ph type="sldImg"/>
+          </p:nvPr>
+        </p:nvSpPr>
+        <p:spPr/>
+      </p:sp>
+      <p:sp>
+        <p:nvSpPr>
+          <p:cNvPr id="3" name="Notes Placeholder 2"/>
+          <p:cNvSpPr>
+            <a:spLocks noGrp="1"/>
+          </p:cNvSpPr>
+          <p:nvPr>
+            <p:ph type="body" idx="1"/>
+          </p:nvPr>
+        </p:nvSpPr>
+        <p:spPr/>
+        <p:txBody>
+          <a:bodyPr/>
+          <a:lstStyle/>
+          <a:p>
+            <a:r>
+              <a:rPr lang="en-US" dirty="0"/>
+              <a:t>Verify all IDs generated. Verify fault gen percent chance is working.</a:t>
+            </a:r>
+          </a:p>
+        </p:txBody>
+      </p:sp>
+      <p:sp>
+        <p:nvSpPr>
+          <p:cNvPr id="4" name="Slide Number Placeholder 3"/>
+          <p:cNvSpPr>
+            <a:spLocks noGrp="1"/>
+          </p:cNvSpPr>
+          <p:nvPr>
+            <p:ph type="sldNum" sz="quarter" idx="5"/>
+          </p:nvPr>
+        </p:nvSpPr>
+        <p:spPr/>
+        <p:txBody>
+          <a:bodyPr/>
+          <a:lstStyle/>
+          <a:p>
+            <a:fld id="{EC5512BD-6841-4226-A1BB-EEC559387077}" type="slidenum">
+              <a:rPr lang="en-US" smtClean="0"/>
+              <a:t>6</a:t>
+            </a:fld>
+            <a:endParaRPr lang="en-US"/>
+          </a:p>
+        </p:txBody>
+      </p:sp>
+    </p:spTree>
+    <p:extLst>
+      <p:ext uri="{BB962C8B-B14F-4D97-AF65-F5344CB8AC3E}">
+        <p14:creationId xmlns:p14="http://schemas.microsoft.com/office/powerpoint/2010/main" val="3870364779"/>
+      </p:ext>
+    </p:extLst>
+  </p:cSld>
+  <p:clrMapOvr>
+    <a:masterClrMapping/>
+  </p:clrMapOvr>
+</p:notes>
+</file>
+
+<file path=ppt/notesSlides/notesSlide7.xml><?xml version="1.0" encoding="utf-8"?>
+<p:notes xmlns:a="http://schemas.openxmlformats.org/drawingml/2006/main" xmlns:r="http://schemas.openxmlformats.org/officeDocument/2006/relationships" xmlns:p="http://schemas.openxmlformats.org/presentationml/2006/main">
+  <p:cSld>
+    <p:spTree>
+      <p:nvGrpSpPr>
+        <p:cNvPr id="1" name=""/>
+        <p:cNvGrpSpPr/>
+        <p:nvPr/>
+      </p:nvGrpSpPr>
+      <p:grpSpPr>
+        <a:xfrm>
+          <a:off x="0" y="0"/>
+          <a:ext cx="0" cy="0"/>
+          <a:chOff x="0" y="0"/>
+          <a:chExt cx="0" cy="0"/>
+        </a:xfrm>
+      </p:grpSpPr>
+      <p:sp>
+        <p:nvSpPr>
+          <p:cNvPr id="2" name="Slide Image Placeholder 1"/>
+          <p:cNvSpPr>
+            <a:spLocks noGrp="1" noRot="1" noChangeAspect="1"/>
+          </p:cNvSpPr>
+          <p:nvPr>
+            <p:ph type="sldImg"/>
+          </p:nvPr>
+        </p:nvSpPr>
+        <p:spPr/>
+      </p:sp>
+      <p:sp>
+        <p:nvSpPr>
+          <p:cNvPr id="3" name="Notes Placeholder 2"/>
+          <p:cNvSpPr>
+            <a:spLocks noGrp="1"/>
+          </p:cNvSpPr>
+          <p:nvPr>
+            <p:ph type="body" idx="1"/>
+          </p:nvPr>
+        </p:nvSpPr>
+        <p:spPr/>
+        <p:txBody>
+          <a:bodyPr/>
+          <a:lstStyle/>
+          <a:p>
+            <a:endParaRPr lang="en-US"/>
+          </a:p>
+        </p:txBody>
+      </p:sp>
+      <p:sp>
+        <p:nvSpPr>
+          <p:cNvPr id="4" name="Slide Number Placeholder 3"/>
+          <p:cNvSpPr>
+            <a:spLocks noGrp="1"/>
+          </p:cNvSpPr>
+          <p:nvPr>
+            <p:ph type="sldNum" sz="quarter" idx="5"/>
+          </p:nvPr>
+        </p:nvSpPr>
+        <p:spPr/>
+        <p:txBody>
+          <a:bodyPr/>
+          <a:lstStyle/>
+          <a:p>
+            <a:fld id="{EC5512BD-6841-4226-A1BB-EEC559387077}" type="slidenum">
+              <a:rPr lang="en-US" smtClean="0"/>
+              <a:t>7</a:t>
+            </a:fld>
+            <a:endParaRPr lang="en-US"/>
+          </a:p>
+        </p:txBody>
+      </p:sp>
+    </p:spTree>
+    <p:extLst>
+      <p:ext uri="{BB962C8B-B14F-4D97-AF65-F5344CB8AC3E}">
+        <p14:creationId xmlns:p14="http://schemas.microsoft.com/office/powerpoint/2010/main" val="2668990702"/>
+      </p:ext>
+    </p:extLst>
+  </p:cSld>
+  <p:clrMapOvr>
+    <a:masterClrMapping/>
+  </p:clrMapOvr>
+</p:notes>
+</file>
+
+<file path=ppt/notesSlides/notesSlide8.xml><?xml version="1.0" encoding="utf-8"?>
+<p:notes xmlns:a="http://schemas.openxmlformats.org/drawingml/2006/main" xmlns:r="http://schemas.openxmlformats.org/officeDocument/2006/relationships" xmlns:p="http://schemas.openxmlformats.org/presentationml/2006/main">
+  <p:cSld>
+    <p:spTree>
+      <p:nvGrpSpPr>
+        <p:cNvPr id="1" name=""/>
+        <p:cNvGrpSpPr/>
+        <p:nvPr/>
+      </p:nvGrpSpPr>
+      <p:grpSpPr>
+        <a:xfrm>
+          <a:off x="0" y="0"/>
+          <a:ext cx="0" cy="0"/>
+          <a:chOff x="0" y="0"/>
+          <a:chExt cx="0" cy="0"/>
+        </a:xfrm>
+      </p:grpSpPr>
+      <p:sp>
+        <p:nvSpPr>
+          <p:cNvPr id="2" name="Slide Image Placeholder 1"/>
+          <p:cNvSpPr>
+            <a:spLocks noGrp="1" noRot="1" noChangeAspect="1"/>
+          </p:cNvSpPr>
+          <p:nvPr>
+            <p:ph type="sldImg"/>
+          </p:nvPr>
+        </p:nvSpPr>
+        <p:spPr/>
+      </p:sp>
+      <p:sp>
+        <p:nvSpPr>
+          <p:cNvPr id="3" name="Notes Placeholder 2"/>
+          <p:cNvSpPr>
+            <a:spLocks noGrp="1"/>
+          </p:cNvSpPr>
+          <p:nvPr>
+            <p:ph type="body" idx="1"/>
+          </p:nvPr>
+        </p:nvSpPr>
+        <p:spPr/>
+        <p:txBody>
+          <a:bodyPr/>
+          <a:lstStyle/>
+          <a:p>
+            <a:r>
+              <a:rPr lang="en-US" dirty="0"/>
+              <a:t>Hard 1 week deadline</a:t>
+            </a:r>
+          </a:p>
+        </p:txBody>
+      </p:sp>
+      <p:sp>
+        <p:nvSpPr>
+          <p:cNvPr id="4" name="Slide Number Placeholder 3"/>
+          <p:cNvSpPr>
+            <a:spLocks noGrp="1"/>
+          </p:cNvSpPr>
+          <p:nvPr>
+            <p:ph type="sldNum" sz="quarter" idx="5"/>
+          </p:nvPr>
+        </p:nvSpPr>
+        <p:spPr/>
+        <p:txBody>
+          <a:bodyPr/>
+          <a:lstStyle/>
+          <a:p>
+            <a:fld id="{EC5512BD-6841-4226-A1BB-EEC559387077}" type="slidenum">
+              <a:rPr lang="en-US" smtClean="0"/>
+              <a:t>8</a:t>
+            </a:fld>
+            <a:endParaRPr lang="en-US"/>
+          </a:p>
+        </p:txBody>
+      </p:sp>
+    </p:spTree>
+    <p:extLst>
+      <p:ext uri="{BB962C8B-B14F-4D97-AF65-F5344CB8AC3E}">
+        <p14:creationId xmlns:p14="http://schemas.microsoft.com/office/powerpoint/2010/main" val="268880055"/>
+      </p:ext>
+    </p:extLst>
+  </p:cSld>
+  <p:clrMapOvr>
+    <a:masterClrMapping/>
+  </p:clrMapOvr>
+</p:notes>
+</file>
+
+<file path=ppt/notesSlides/notesSlide9.xml><?xml version="1.0" encoding="utf-8"?>
+<p:notes xmlns:a="http://schemas.openxmlformats.org/drawingml/2006/main" xmlns:r="http://schemas.openxmlformats.org/officeDocument/2006/relationships" xmlns:p="http://schemas.openxmlformats.org/presentationml/2006/main">
+  <p:cSld>
+    <p:spTree>
+      <p:nvGrpSpPr>
+        <p:cNvPr id="1" name=""/>
+        <p:cNvGrpSpPr/>
+        <p:nvPr/>
+      </p:nvGrpSpPr>
+      <p:grpSpPr>
+        <a:xfrm>
+          <a:off x="0" y="0"/>
+          <a:ext cx="0" cy="0"/>
+          <a:chOff x="0" y="0"/>
+          <a:chExt cx="0" cy="0"/>
+        </a:xfrm>
+      </p:grpSpPr>
+      <p:sp>
+        <p:nvSpPr>
+          <p:cNvPr id="2" name="Slide Image Placeholder 1"/>
+          <p:cNvSpPr>
+            <a:spLocks noGrp="1" noRot="1" noChangeAspect="1"/>
+          </p:cNvSpPr>
+          <p:nvPr>
+            <p:ph type="sldImg"/>
+          </p:nvPr>
+        </p:nvSpPr>
+        <p:spPr/>
+      </p:sp>
+      <p:sp>
+        <p:nvSpPr>
+          <p:cNvPr id="3" name="Notes Placeholder 2"/>
+          <p:cNvSpPr>
+            <a:spLocks noGrp="1"/>
+          </p:cNvSpPr>
+          <p:nvPr>
+            <p:ph type="body" idx="1"/>
+          </p:nvPr>
+        </p:nvSpPr>
+        <p:spPr/>
+        <p:txBody>
+          <a:bodyPr/>
+          <a:lstStyle/>
+          <a:p>
+            <a:endParaRPr lang="en-US"/>
+          </a:p>
+        </p:txBody>
+      </p:sp>
+      <p:sp>
+        <p:nvSpPr>
+          <p:cNvPr id="4" name="Slide Number Placeholder 3"/>
+          <p:cNvSpPr>
+            <a:spLocks noGrp="1"/>
+          </p:cNvSpPr>
+          <p:nvPr>
+            <p:ph type="sldNum" sz="quarter" idx="5"/>
+          </p:nvPr>
+        </p:nvSpPr>
+        <p:spPr/>
+        <p:txBody>
+          <a:bodyPr/>
+          <a:lstStyle/>
+          <a:p>
+            <a:fld id="{EC5512BD-6841-4226-A1BB-EEC559387077}" type="slidenum">
+              <a:rPr lang="en-US" smtClean="0"/>
+              <a:t>9</a:t>
+            </a:fld>
+            <a:endParaRPr lang="en-US"/>
+          </a:p>
+        </p:txBody>
+      </p:sp>
+    </p:spTree>
+    <p:extLst>
+      <p:ext uri="{BB962C8B-B14F-4D97-AF65-F5344CB8AC3E}">
+        <p14:creationId xmlns:p14="http://schemas.microsoft.com/office/powerpoint/2010/main" val="2353456275"/>
+      </p:ext>
+    </p:extLst>
+  </p:cSld>
+  <p:clrMapOvr>
+    <a:masterClrMapping/>
+  </p:clrMapOvr>
+</p:notes>
+</file>
+
 <file path=ppt/slideLayouts/slideLayout1.xml><?xml version="1.0" encoding="utf-8"?>
 <p:sldLayout xmlns:a="http://schemas.openxmlformats.org/drawingml/2006/main" xmlns:r="http://schemas.openxmlformats.org/officeDocument/2006/relationships" xmlns:p="http://schemas.openxmlformats.org/presentationml/2006/main" showMasterSp="0" type="title" preserve="1">
   <p:cSld name="Title Slide">
@@ -343,7 +1549,7 @@
           <a:p>
             <a:fld id="{EE59E613-E25F-4587-9603-704A5611A1EA}" type="datetimeFigureOut">
               <a:rPr lang="en-US" smtClean="0"/>
-              <a:t>11/1/2024</a:t>
+              <a:t>11/3/2024</a:t>
             </a:fld>
             <a:endParaRPr lang="en-US"/>
           </a:p>
@@ -513,7 +1719,7 @@
           <a:p>
             <a:fld id="{EE59E613-E25F-4587-9603-704A5611A1EA}" type="datetimeFigureOut">
               <a:rPr lang="en-US" smtClean="0"/>
-              <a:t>11/1/2024</a:t>
+              <a:t>11/3/2024</a:t>
             </a:fld>
             <a:endParaRPr lang="en-US"/>
           </a:p>
@@ -693,7 +1899,7 @@
           <a:p>
             <a:fld id="{EE59E613-E25F-4587-9603-704A5611A1EA}" type="datetimeFigureOut">
               <a:rPr lang="en-US" smtClean="0"/>
-              <a:t>11/1/2024</a:t>
+              <a:t>11/3/2024</a:t>
             </a:fld>
             <a:endParaRPr lang="en-US"/>
           </a:p>
@@ -863,7 +2069,7 @@
           <a:p>
             <a:fld id="{EE59E613-E25F-4587-9603-704A5611A1EA}" type="datetimeFigureOut">
               <a:rPr lang="en-US" smtClean="0"/>
-              <a:t>11/1/2024</a:t>
+              <a:t>11/3/2024</a:t>
             </a:fld>
             <a:endParaRPr lang="en-US"/>
           </a:p>
@@ -1121,7 +2327,7 @@
           <a:p>
             <a:fld id="{EE59E613-E25F-4587-9603-704A5611A1EA}" type="datetimeFigureOut">
               <a:rPr lang="en-US" smtClean="0"/>
-              <a:t>11/1/2024</a:t>
+              <a:t>11/3/2024</a:t>
             </a:fld>
             <a:endParaRPr lang="en-US"/>
           </a:p>
@@ -1409,7 +2615,7 @@
           <a:p>
             <a:fld id="{EE59E613-E25F-4587-9603-704A5611A1EA}" type="datetimeFigureOut">
               <a:rPr lang="en-US" smtClean="0"/>
-              <a:t>11/1/2024</a:t>
+              <a:t>11/3/2024</a:t>
             </a:fld>
             <a:endParaRPr lang="en-US"/>
           </a:p>
@@ -1851,7 +3057,7 @@
           <a:p>
             <a:fld id="{EE59E613-E25F-4587-9603-704A5611A1EA}" type="datetimeFigureOut">
               <a:rPr lang="en-US" smtClean="0"/>
-              <a:t>11/1/2024</a:t>
+              <a:t>11/3/2024</a:t>
             </a:fld>
             <a:endParaRPr lang="en-US"/>
           </a:p>
@@ -1969,7 +3175,7 @@
           <a:p>
             <a:fld id="{EE59E613-E25F-4587-9603-704A5611A1EA}" type="datetimeFigureOut">
               <a:rPr lang="en-US" smtClean="0"/>
-              <a:t>11/1/2024</a:t>
+              <a:t>11/3/2024</a:t>
             </a:fld>
             <a:endParaRPr lang="en-US"/>
           </a:p>
@@ -2064,7 +3270,7 @@
           <a:p>
             <a:fld id="{EE59E613-E25F-4587-9603-704A5611A1EA}" type="datetimeFigureOut">
               <a:rPr lang="en-US" smtClean="0"/>
-              <a:t>11/1/2024</a:t>
+              <a:t>11/3/2024</a:t>
             </a:fld>
             <a:endParaRPr lang="en-US"/>
           </a:p>
@@ -2352,7 +3558,7 @@
           <a:p>
             <a:fld id="{EE59E613-E25F-4587-9603-704A5611A1EA}" type="datetimeFigureOut">
               <a:rPr lang="en-US" smtClean="0"/>
-              <a:t>11/1/2024</a:t>
+              <a:t>11/3/2024</a:t>
             </a:fld>
             <a:endParaRPr lang="en-US"/>
           </a:p>
@@ -2625,7 +3831,7 @@
           <a:p>
             <a:fld id="{EE59E613-E25F-4587-9603-704A5611A1EA}" type="datetimeFigureOut">
               <a:rPr lang="en-US" smtClean="0"/>
-              <a:t>11/1/2024</a:t>
+              <a:t>11/3/2024</a:t>
             </a:fld>
             <a:endParaRPr lang="en-US"/>
           </a:p>
@@ -2922,7 +4128,7 @@
           <a:p>
             <a:fld id="{EE59E613-E25F-4587-9603-704A5611A1EA}" type="datetimeFigureOut">
               <a:rPr lang="en-US" smtClean="0"/>
-              <a:t>11/1/2024</a:t>
+              <a:t>11/3/2024</a:t>
             </a:fld>
             <a:endParaRPr lang="en-US"/>
           </a:p>
@@ -3481,6 +4687,120 @@
 </p:sld>
 </file>
 
+<file path=ppt/slides/slide10.xml><?xml version="1.0" encoding="utf-8"?>
+<p:sld xmlns:a="http://schemas.openxmlformats.org/drawingml/2006/main" xmlns:r="http://schemas.openxmlformats.org/officeDocument/2006/relationships" xmlns:p="http://schemas.openxmlformats.org/presentationml/2006/main">
+  <p:cSld>
+    <p:spTree>
+      <p:nvGrpSpPr>
+        <p:cNvPr id="1" name=""/>
+        <p:cNvGrpSpPr/>
+        <p:nvPr/>
+      </p:nvGrpSpPr>
+      <p:grpSpPr>
+        <a:xfrm>
+          <a:off x="0" y="0"/>
+          <a:ext cx="0" cy="0"/>
+          <a:chOff x="0" y="0"/>
+          <a:chExt cx="0" cy="0"/>
+        </a:xfrm>
+      </p:grpSpPr>
+      <p:sp>
+        <p:nvSpPr>
+          <p:cNvPr id="2" name="Title 1">
+            <a:extLst>
+              <a:ext uri="{FF2B5EF4-FFF2-40B4-BE49-F238E27FC236}">
+                <a16:creationId xmlns:a16="http://schemas.microsoft.com/office/drawing/2014/main" id="{262FC0D4-C6B6-E929-65A4-85450FFFF110}"/>
+              </a:ext>
+            </a:extLst>
+          </p:cNvPr>
+          <p:cNvSpPr>
+            <a:spLocks noGrp="1"/>
+          </p:cNvSpPr>
+          <p:nvPr>
+            <p:ph type="title"/>
+          </p:nvPr>
+        </p:nvSpPr>
+        <p:spPr/>
+        <p:txBody>
+          <a:bodyPr/>
+          <a:lstStyle/>
+          <a:p>
+            <a:r>
+              <a:rPr lang="en-US" dirty="0" err="1"/>
+              <a:t>Tricopter</a:t>
+            </a:r>
+            <a:br>
+              <a:rPr lang="en-US" dirty="0"/>
+            </a:br>
+            <a:r>
+              <a:rPr lang="en-US" dirty="0"/>
+              <a:t>yaw</a:t>
+            </a:r>
+          </a:p>
+        </p:txBody>
+      </p:sp>
+      <p:pic>
+        <p:nvPicPr>
+          <p:cNvPr id="1026" name="Picture 2" descr="TricopteratTopDown-copy">
+            <a:extLst>
+              <a:ext uri="{FF2B5EF4-FFF2-40B4-BE49-F238E27FC236}">
+                <a16:creationId xmlns:a16="http://schemas.microsoft.com/office/drawing/2014/main" id="{25AE8DD0-A09C-550B-1E09-D532238FEBAA}"/>
+              </a:ext>
+            </a:extLst>
+          </p:cNvPr>
+          <p:cNvPicPr>
+            <a:picLocks noGrp="1" noChangeAspect="1" noChangeArrowheads="1"/>
+          </p:cNvPicPr>
+          <p:nvPr>
+            <p:ph idx="1"/>
+          </p:nvPr>
+        </p:nvPicPr>
+        <p:blipFill>
+          <a:blip r:embed="rId3">
+            <a:extLst>
+              <a:ext uri="{28A0092B-C50C-407E-A947-70E740481C1C}">
+                <a14:useLocalDpi xmlns:a14="http://schemas.microsoft.com/office/drawing/2010/main" val="0"/>
+              </a:ext>
+            </a:extLst>
+          </a:blip>
+          <a:srcRect/>
+          <a:stretch>
+            <a:fillRect/>
+          </a:stretch>
+        </p:blipFill>
+        <p:spPr bwMode="auto">
+          <a:xfrm>
+            <a:off x="5479562" y="1174715"/>
+            <a:ext cx="4313755" cy="4508570"/>
+          </a:xfrm>
+          <a:prstGeom prst="rect">
+            <a:avLst/>
+          </a:prstGeom>
+          <a:noFill/>
+          <a:extLst>
+            <a:ext uri="{909E8E84-426E-40DD-AFC4-6F175D3DCCD1}">
+              <a14:hiddenFill xmlns:a14="http://schemas.microsoft.com/office/drawing/2010/main">
+                <a:solidFill>
+                  <a:srgbClr val="FFFFFF"/>
+                </a:solidFill>
+              </a14:hiddenFill>
+            </a:ext>
+          </a:extLst>
+        </p:spPr>
+      </p:pic>
+    </p:spTree>
+    <p:extLst>
+      <p:ext uri="{BB962C8B-B14F-4D97-AF65-F5344CB8AC3E}">
+        <p14:creationId xmlns:p14="http://schemas.microsoft.com/office/powerpoint/2010/main" val="2324650109"/>
+      </p:ext>
+    </p:extLst>
+  </p:cSld>
+  <p:clrMapOvr>
+    <a:masterClrMapping/>
+  </p:clrMapOvr>
+</p:sld>
+</file>
+
 <file path=ppt/slides/slide2.xml><?xml version="1.0" encoding="utf-8"?>
 <p:sld xmlns:a="http://schemas.openxmlformats.org/drawingml/2006/main" xmlns:r="http://schemas.openxmlformats.org/officeDocument/2006/relationships" xmlns:p="http://schemas.openxmlformats.org/presentationml/2006/main">
   <p:cSld>
@@ -3598,7 +4918,7 @@
           <p:nvPr/>
         </p:nvPicPr>
         <p:blipFill>
-          <a:blip r:embed="rId2">
+          <a:blip r:embed="rId3">
             <a:extLst>
               <a:ext uri="{28A0092B-C50C-407E-A947-70E740481C1C}">
                 <a14:useLocalDpi xmlns:a14="http://schemas.microsoft.com/office/drawing/2010/main" val="0"/>
@@ -3649,6 +4969,42 @@
           <a:chExt cx="0" cy="0"/>
         </a:xfrm>
       </p:grpSpPr>
+      <p:pic>
+        <p:nvPicPr>
+          <p:cNvPr id="5" name="Picture 4">
+            <a:extLst>
+              <a:ext uri="{FF2B5EF4-FFF2-40B4-BE49-F238E27FC236}">
+                <a16:creationId xmlns:a16="http://schemas.microsoft.com/office/drawing/2014/main" id="{16725939-8C95-BB48-4AC8-82C049CE97F9}"/>
+              </a:ext>
+            </a:extLst>
+          </p:cNvPr>
+          <p:cNvPicPr>
+            <a:picLocks noChangeAspect="1"/>
+          </p:cNvPicPr>
+          <p:nvPr/>
+        </p:nvPicPr>
+        <p:blipFill>
+          <a:blip r:embed="rId3">
+            <a:extLst>
+              <a:ext uri="{28A0092B-C50C-407E-A947-70E740481C1C}">
+                <a14:useLocalDpi xmlns:a14="http://schemas.microsoft.com/office/drawing/2010/main" val="0"/>
+              </a:ext>
+            </a:extLst>
+          </a:blip>
+          <a:stretch>
+            <a:fillRect/>
+          </a:stretch>
+        </p:blipFill>
+        <p:spPr>
+          <a:xfrm>
+            <a:off x="4107219" y="3030296"/>
+            <a:ext cx="6725144" cy="3484601"/>
+          </a:xfrm>
+          <a:prstGeom prst="rect">
+            <a:avLst/>
+          </a:prstGeom>
+        </p:spPr>
+      </p:pic>
       <p:sp>
         <p:nvSpPr>
           <p:cNvPr id="2" name="Title 1">
@@ -3700,10 +5056,15 @@
             <p:ph idx="1"/>
           </p:nvPr>
         </p:nvSpPr>
-        <p:spPr/>
+        <p:spPr>
+          <a:xfrm>
+            <a:off x="3869268" y="864108"/>
+            <a:ext cx="6582537" cy="2400087"/>
+          </a:xfrm>
+        </p:spPr>
         <p:txBody>
           <a:bodyPr>
-            <a:normAutofit fontScale="92500" lnSpcReduction="10000"/>
+            <a:normAutofit/>
           </a:bodyPr>
           <a:lstStyle/>
           <a:p>
@@ -3721,7 +5082,20 @@
           <a:p>
             <a:r>
               <a:rPr lang="en-US" dirty="0"/>
-              <a:t>Defining the Aircraft class (Parent and child classes)</a:t>
+              <a:t>Defining the Aircraft class</a:t>
+            </a:r>
+          </a:p>
+          <a:p>
+            <a:r>
+              <a:rPr lang="en-US" dirty="0"/>
+              <a:t>Loop time step</a:t>
+            </a:r>
+          </a:p>
+          <a:p>
+            <a:pPr lvl="1"/>
+            <a:r>
+              <a:rPr lang="en-US" dirty="0"/>
+              <a:t>Decision driven by Echo</a:t>
             </a:r>
           </a:p>
           <a:p>
@@ -3729,68 +5103,6 @@
               <a:rPr lang="en-US" dirty="0"/>
               <a:t>State machine</a:t>
             </a:r>
-          </a:p>
-          <a:p>
-            <a:r>
-              <a:rPr lang="en-US" dirty="0"/>
-              <a:t>Loop time step</a:t>
-            </a:r>
-          </a:p>
-          <a:p>
-            <a:pPr lvl="1"/>
-            <a:r>
-              <a:rPr lang="en-US" dirty="0"/>
-              <a:t>Decision driven by Echo</a:t>
-            </a:r>
-          </a:p>
-          <a:p>
-            <a:r>
-              <a:rPr lang="en-US" dirty="0"/>
-              <a:t>Queue of aircraft in line to charge</a:t>
-            </a:r>
-          </a:p>
-          <a:p>
-            <a:r>
-              <a:rPr lang="en-US" dirty="0"/>
-              <a:t>Assigning aircraft to chargers (queue of available chargers)</a:t>
-            </a:r>
-          </a:p>
-          <a:p>
-            <a:r>
-              <a:rPr lang="en-US" dirty="0"/>
-              <a:t>Recording metrics required to calculate output</a:t>
-            </a:r>
-          </a:p>
-          <a:p>
-            <a:r>
-              <a:rPr lang="en-US" dirty="0"/>
-              <a:t>Minimize memory usage</a:t>
-            </a:r>
-          </a:p>
-          <a:p>
-            <a:pPr lvl="1"/>
-            <a:r>
-              <a:rPr lang="en-US" dirty="0"/>
-              <a:t>Total flight duration used to calculate total distance traveled</a:t>
-            </a:r>
-          </a:p>
-          <a:p>
-            <a:r>
-              <a:rPr lang="en-US" dirty="0"/>
-              <a:t>Minimize the software to write</a:t>
-            </a:r>
-          </a:p>
-          <a:p>
-            <a:pPr marL="0" indent="0">
-              <a:buNone/>
-            </a:pPr>
-            <a:r>
-              <a:rPr lang="en-US" i="1" dirty="0"/>
-              <a:t>Some of these ideas were more complex now, but simplified later as the plan developed.</a:t>
-            </a:r>
-          </a:p>
-          <a:p>
-            <a:endParaRPr lang="en-US" dirty="0"/>
           </a:p>
         </p:txBody>
       </p:sp>
@@ -3829,7 +5141,7 @@
           <p:cNvPr id="2" name="Title 1">
             <a:extLst>
               <a:ext uri="{FF2B5EF4-FFF2-40B4-BE49-F238E27FC236}">
-                <a16:creationId xmlns:a16="http://schemas.microsoft.com/office/drawing/2014/main" id="{CC8B2663-2F58-DB6C-BAF2-255526BA66E7}"/>
+                <a16:creationId xmlns:a16="http://schemas.microsoft.com/office/drawing/2014/main" id="{11D95BBB-F791-D715-2ED1-ABBA0948B004}"/>
               </a:ext>
             </a:extLst>
           </p:cNvPr>
@@ -3847,21 +5159,21 @@
           <a:p>
             <a:r>
               <a:rPr lang="en-US" dirty="0"/>
-              <a:t>Create a Plan</a:t>
+              <a:t>Requirements and</a:t>
             </a:r>
             <a:br>
               <a:rPr lang="en-US" dirty="0"/>
             </a:br>
             <a:r>
               <a:rPr lang="en-US" dirty="0"/>
-              <a:t>and</a:t>
+              <a:t>Important Considerations</a:t>
             </a:r>
             <a:br>
               <a:rPr lang="en-US" dirty="0"/>
             </a:br>
             <a:r>
               <a:rPr lang="en-US" dirty="0"/>
-              <a:t>Prioritize</a:t>
+              <a:t>Contd.</a:t>
             </a:r>
           </a:p>
         </p:txBody>
@@ -3871,7 +5183,7 @@
           <p:cNvPr id="3" name="Content Placeholder 2">
             <a:extLst>
               <a:ext uri="{FF2B5EF4-FFF2-40B4-BE49-F238E27FC236}">
-                <a16:creationId xmlns:a16="http://schemas.microsoft.com/office/drawing/2014/main" id="{777E5DC5-6BF1-14B2-16D2-3CB7D446EA6B}"/>
+                <a16:creationId xmlns:a16="http://schemas.microsoft.com/office/drawing/2014/main" id="{A1985AEA-28CB-C4FE-C435-470F2AACBB0F}"/>
               </a:ext>
             </a:extLst>
           </p:cNvPr>
@@ -3884,171 +5196,82 @@
         </p:nvSpPr>
         <p:spPr>
           <a:xfrm>
-            <a:off x="3869268" y="1123837"/>
-            <a:ext cx="7315200" cy="5120640"/>
+            <a:off x="3869268" y="864108"/>
+            <a:ext cx="6596999" cy="3186897"/>
           </a:xfrm>
         </p:spPr>
         <p:txBody>
-          <a:bodyPr>
-            <a:normAutofit fontScale="92500" lnSpcReduction="20000"/>
-          </a:bodyPr>
-          <a:lstStyle/>
-          <a:p>
-            <a:pPr marL="457200" indent="-457200">
-              <a:buFont typeface="+mj-lt"/>
-              <a:buAutoNum type="arabicPeriod"/>
-            </a:pPr>
+          <a:bodyPr/>
+          <a:lstStyle/>
+          <a:p>
+            <a:r>
+              <a:rPr lang="en-US" dirty="0"/>
+              <a:t>Queue of aircraft in line to charge</a:t>
+            </a:r>
+          </a:p>
+          <a:p>
+            <a:r>
+              <a:rPr lang="en-US" dirty="0"/>
+              <a:t>Assigning aircraft to queue of available chargers</a:t>
+            </a:r>
+          </a:p>
+          <a:p>
+            <a:r>
+              <a:rPr lang="en-US" dirty="0"/>
+              <a:t>Recording metrics required to calculate output</a:t>
+            </a:r>
+          </a:p>
+          <a:p>
+            <a:r>
+              <a:rPr lang="en-US" dirty="0"/>
+              <a:t>Minimize memory usage</a:t>
+            </a:r>
+          </a:p>
+          <a:p>
+            <a:r>
+              <a:rPr lang="en-US" dirty="0"/>
+              <a:t>Minimize the software to write</a:t>
+            </a:r>
+          </a:p>
+          <a:p>
             <a:endParaRPr lang="en-US" dirty="0"/>
           </a:p>
-          <a:p>
-            <a:pPr marL="457200" indent="-457200">
-              <a:buFont typeface="+mj-lt"/>
-              <a:buAutoNum type="arabicPeriod"/>
-            </a:pPr>
-            <a:endParaRPr lang="en-US" dirty="0"/>
-          </a:p>
-          <a:p>
-            <a:pPr marL="457200" indent="-457200">
-              <a:buFont typeface="+mj-lt"/>
-              <a:buAutoNum type="arabicPeriod"/>
-            </a:pPr>
-            <a:r>
-              <a:rPr lang="en-US" dirty="0"/>
-              <a:t>C++ Hello World</a:t>
-            </a:r>
-          </a:p>
-          <a:p>
-            <a:pPr marL="457200" indent="-457200">
-              <a:buFont typeface="+mj-lt"/>
-              <a:buAutoNum type="arabicPeriod"/>
-            </a:pPr>
-            <a:r>
-              <a:rPr lang="en-US" dirty="0"/>
-              <a:t>Concrete definition of the Aircraft class</a:t>
-            </a:r>
-          </a:p>
-          <a:p>
-            <a:pPr lvl="1"/>
-            <a:r>
-              <a:rPr lang="en-US" dirty="0"/>
-              <a:t>Vehicle type ID to select common data</a:t>
-            </a:r>
-          </a:p>
-          <a:p>
-            <a:pPr marL="457200" indent="-457200">
-              <a:buFont typeface="+mj-lt"/>
-              <a:buAutoNum type="arabicPeriod"/>
-            </a:pPr>
-            <a:r>
-              <a:rPr lang="en-US" dirty="0"/>
-              <a:t>Start small with one Alpha aircraft. Run 1, 2, and 3 hour tests. Verify results.</a:t>
-            </a:r>
-          </a:p>
-          <a:p>
-            <a:pPr marL="457200" indent="-457200">
-              <a:buFont typeface="+mj-lt"/>
-              <a:buAutoNum type="arabicPeriod"/>
-            </a:pPr>
-            <a:r>
-              <a:rPr lang="en-US" dirty="0"/>
-              <a:t>Incorporate one charger. Repeat tests and verify.</a:t>
-            </a:r>
-          </a:p>
-          <a:p>
-            <a:pPr marL="457200" indent="-457200">
-              <a:buFont typeface="+mj-lt"/>
-              <a:buAutoNum type="arabicPeriod"/>
-            </a:pPr>
-            <a:r>
-              <a:rPr lang="en-US" dirty="0"/>
-              <a:t>Two vehicles and two chargers. Repeat tests.</a:t>
-            </a:r>
-          </a:p>
-          <a:p>
-            <a:pPr lvl="1"/>
-            <a:r>
-              <a:rPr lang="en-US" dirty="0"/>
-              <a:t>Chargers available simplified to a number rather than a queue.</a:t>
-            </a:r>
-          </a:p>
-          <a:p>
-            <a:pPr marL="457200" indent="-457200">
-              <a:buFont typeface="+mj-lt"/>
-              <a:buAutoNum type="arabicPeriod"/>
-            </a:pPr>
-            <a:r>
-              <a:rPr lang="en-US" dirty="0"/>
-              <a:t>Three vehicles and chargers. Test every vehicle type in the array of three.</a:t>
-            </a:r>
-          </a:p>
-          <a:p>
-            <a:pPr marL="457200" indent="-457200">
-              <a:buFont typeface="+mj-lt"/>
-              <a:buAutoNum type="arabicPeriod"/>
-            </a:pPr>
-            <a:r>
-              <a:rPr lang="en-US" dirty="0"/>
-              <a:t>Slowly increase aircraft array from 3 to 10. Create the charging line.</a:t>
-            </a:r>
-          </a:p>
-          <a:p>
-            <a:pPr lvl="1"/>
-            <a:r>
-              <a:rPr lang="en-US" dirty="0"/>
-              <a:t>Charging line simplified to queue of array </a:t>
-            </a:r>
-            <a:r>
-              <a:rPr lang="en-US" dirty="0" err="1"/>
-              <a:t>indicies</a:t>
-            </a:r>
-            <a:r>
-              <a:rPr lang="en-US" dirty="0"/>
-              <a:t>.</a:t>
-            </a:r>
-          </a:p>
-          <a:p>
-            <a:pPr marL="457200" indent="-457200">
-              <a:buFont typeface="+mj-lt"/>
-              <a:buAutoNum type="arabicPeriod"/>
-            </a:pPr>
-            <a:r>
-              <a:rPr lang="en-US" dirty="0"/>
-              <a:t>Random ID generation, and fault generation.</a:t>
-            </a:r>
-          </a:p>
-          <a:p>
-            <a:pPr marL="457200" indent="-457200">
-              <a:buFont typeface="+mj-lt"/>
-              <a:buAutoNum type="arabicPeriod"/>
-            </a:pPr>
-            <a:r>
-              <a:rPr lang="en-US" dirty="0"/>
-              <a:t>Calculate averages and totals, and write output to file.</a:t>
-            </a:r>
-          </a:p>
-          <a:p>
-            <a:pPr lvl="1"/>
-            <a:endParaRPr lang="en-US" dirty="0"/>
-          </a:p>
-          <a:p>
-            <a:pPr marL="457200" indent="-457200">
-              <a:buFont typeface="+mj-lt"/>
-              <a:buAutoNum type="arabicPeriod"/>
-            </a:pPr>
-            <a:endParaRPr lang="en-US" dirty="0"/>
-          </a:p>
-          <a:p>
-            <a:endParaRPr lang="en-US" dirty="0"/>
-          </a:p>
-          <a:p>
-            <a:endParaRPr lang="en-US" dirty="0"/>
-          </a:p>
-        </p:txBody>
-      </p:sp>
+        </p:txBody>
+      </p:sp>
+      <p:pic>
+        <p:nvPicPr>
+          <p:cNvPr id="5" name="Picture 4">
+            <a:extLst>
+              <a:ext uri="{FF2B5EF4-FFF2-40B4-BE49-F238E27FC236}">
+                <a16:creationId xmlns:a16="http://schemas.microsoft.com/office/drawing/2014/main" id="{4BD67013-008D-DAB6-1517-3054D3DDB4DD}"/>
+              </a:ext>
+            </a:extLst>
+          </p:cNvPr>
+          <p:cNvPicPr>
+            <a:picLocks noChangeAspect="1"/>
+          </p:cNvPicPr>
+          <p:nvPr/>
+        </p:nvPicPr>
+        <p:blipFill>
+          <a:blip r:embed="rId3"/>
+          <a:stretch>
+            <a:fillRect/>
+          </a:stretch>
+        </p:blipFill>
+        <p:spPr>
+          <a:xfrm>
+            <a:off x="4021382" y="3424428"/>
+            <a:ext cx="6596999" cy="2310107"/>
+          </a:xfrm>
+          <a:prstGeom prst="rect">
+            <a:avLst/>
+          </a:prstGeom>
+        </p:spPr>
+      </p:pic>
     </p:spTree>
     <p:extLst>
       <p:ext uri="{BB962C8B-B14F-4D97-AF65-F5344CB8AC3E}">
-        <p14:creationId xmlns:p14="http://schemas.microsoft.com/office/powerpoint/2010/main" val="752751639"/>
+        <p14:creationId xmlns:p14="http://schemas.microsoft.com/office/powerpoint/2010/main" val="2563167497"/>
       </p:ext>
     </p:extLst>
   </p:cSld>
@@ -4080,7 +5303,7 @@
           <p:cNvPr id="2" name="Title 1">
             <a:extLst>
               <a:ext uri="{FF2B5EF4-FFF2-40B4-BE49-F238E27FC236}">
-                <a16:creationId xmlns:a16="http://schemas.microsoft.com/office/drawing/2014/main" id="{A0917D07-A0ED-E466-CC19-7B5808886390}"/>
+                <a16:creationId xmlns:a16="http://schemas.microsoft.com/office/drawing/2014/main" id="{CC8B2663-2F58-DB6C-BAF2-255526BA66E7}"/>
               </a:ext>
             </a:extLst>
           </p:cNvPr>
@@ -4098,7 +5321,21 @@
           <a:p>
             <a:r>
               <a:rPr lang="en-US" dirty="0"/>
-              <a:t>Unit Tests</a:t>
+              <a:t>Create a Plan</a:t>
+            </a:r>
+            <a:br>
+              <a:rPr lang="en-US" dirty="0"/>
+            </a:br>
+            <a:r>
+              <a:rPr lang="en-US" dirty="0"/>
+              <a:t>and</a:t>
+            </a:r>
+            <a:br>
+              <a:rPr lang="en-US" dirty="0"/>
+            </a:br>
+            <a:r>
+              <a:rPr lang="en-US" dirty="0"/>
+              <a:t>Prioritize</a:t>
             </a:r>
           </a:p>
         </p:txBody>
@@ -4108,7 +5345,7 @@
           <p:cNvPr id="3" name="Content Placeholder 2">
             <a:extLst>
               <a:ext uri="{FF2B5EF4-FFF2-40B4-BE49-F238E27FC236}">
-                <a16:creationId xmlns:a16="http://schemas.microsoft.com/office/drawing/2014/main" id="{B27F626C-1196-1613-1601-3B89B1BAFDE6}"/>
+                <a16:creationId xmlns:a16="http://schemas.microsoft.com/office/drawing/2014/main" id="{777E5DC5-6BF1-14B2-16D2-3CB7D446EA6B}"/>
               </a:ext>
             </a:extLst>
           </p:cNvPr>
@@ -4119,76 +5356,191 @@
             <p:ph idx="1"/>
           </p:nvPr>
         </p:nvSpPr>
-        <p:spPr/>
-        <p:txBody>
-          <a:bodyPr/>
-          <a:lstStyle/>
-          <a:p>
-            <a:r>
-              <a:rPr lang="en-US" dirty="0"/>
-              <a:t>Tracing state transitions</a:t>
-            </a:r>
-          </a:p>
-          <a:p>
-            <a:r>
-              <a:rPr lang="en-US" dirty="0"/>
-              <a:t>Random ID generation test – verify every company ID is generated at least once. Exit simulation and re-run otherwise.</a:t>
-            </a:r>
-          </a:p>
-          <a:p>
-            <a:r>
-              <a:rPr lang="en-US" dirty="0"/>
-              <a:t>Fault generation – Alpha aircraft with 25% chance of a fault, run through fault percent chance 1000 times, should have around 250 faults.</a:t>
-            </a:r>
-          </a:p>
-          <a:p>
-            <a:r>
-              <a:rPr lang="en-US" dirty="0"/>
-              <a:t>Output calculations test</a:t>
-            </a:r>
+        <p:spPr>
+          <a:xfrm>
+            <a:off x="3869268" y="1123837"/>
+            <a:ext cx="7315200" cy="5120640"/>
+          </a:xfrm>
+        </p:spPr>
+        <p:txBody>
+          <a:bodyPr>
+            <a:normAutofit/>
+          </a:bodyPr>
+          <a:lstStyle/>
+          <a:p>
+            <a:pPr marL="457200" indent="-457200">
+              <a:buFont typeface="+mj-lt"/>
+              <a:buAutoNum type="arabicPeriod"/>
+            </a:pPr>
+            <a:endParaRPr lang="en-US" dirty="0"/>
+          </a:p>
+          <a:p>
+            <a:pPr marL="457200" indent="-457200">
+              <a:buFont typeface="+mj-lt"/>
+              <a:buAutoNum type="arabicPeriod"/>
+            </a:pPr>
+            <a:endParaRPr lang="en-US" dirty="0"/>
+          </a:p>
+          <a:p>
+            <a:pPr marL="457200" indent="-457200">
+              <a:buFont typeface="+mj-lt"/>
+              <a:buAutoNum type="arabicPeriod"/>
+            </a:pPr>
+            <a:r>
+              <a:rPr lang="en-US" dirty="0"/>
+              <a:t>C++ Hello World</a:t>
+            </a:r>
+          </a:p>
+          <a:p>
+            <a:pPr marL="457200" indent="-457200">
+              <a:buFont typeface="+mj-lt"/>
+              <a:buAutoNum type="arabicPeriod"/>
+            </a:pPr>
+            <a:r>
+              <a:rPr lang="en-US" dirty="0"/>
+              <a:t>Concrete definition of the Aircraft class</a:t>
+            </a:r>
+          </a:p>
+          <a:p>
+            <a:pPr marL="457200" indent="-457200">
+              <a:buFont typeface="+mj-lt"/>
+              <a:buAutoNum type="arabicPeriod"/>
+            </a:pPr>
+            <a:r>
+              <a:rPr lang="en-US" dirty="0"/>
+              <a:t>Start small with one Alpha aircraft.</a:t>
+            </a:r>
+          </a:p>
+          <a:p>
+            <a:pPr marL="457200" indent="-457200">
+              <a:buFont typeface="+mj-lt"/>
+              <a:buAutoNum type="arabicPeriod"/>
+            </a:pPr>
+            <a:r>
+              <a:rPr lang="en-US" dirty="0"/>
+              <a:t>Incorporate one charger.</a:t>
+            </a:r>
+          </a:p>
+          <a:p>
+            <a:pPr marL="457200" indent="-457200">
+              <a:buFont typeface="+mj-lt"/>
+              <a:buAutoNum type="arabicPeriod"/>
+            </a:pPr>
+            <a:r>
+              <a:rPr lang="en-US" dirty="0"/>
+              <a:t>Two vehicles and two chargers.</a:t>
+            </a:r>
+          </a:p>
+          <a:p>
+            <a:pPr marL="457200" indent="-457200">
+              <a:buFont typeface="+mj-lt"/>
+              <a:buAutoNum type="arabicPeriod"/>
+            </a:pPr>
+            <a:r>
+              <a:rPr lang="en-US" dirty="0"/>
+              <a:t>Three vehicles and chargers. Test every vehicle type.</a:t>
+            </a:r>
+          </a:p>
+          <a:p>
+            <a:pPr marL="457200" indent="-457200">
+              <a:buFont typeface="+mj-lt"/>
+              <a:buAutoNum type="arabicPeriod"/>
+            </a:pPr>
+            <a:r>
+              <a:rPr lang="en-US" dirty="0"/>
+              <a:t>Increase aircraft array from 3 to 10. Create the charging line.</a:t>
+            </a:r>
+          </a:p>
+          <a:p>
+            <a:pPr marL="457200" indent="-457200">
+              <a:buFont typeface="+mj-lt"/>
+              <a:buAutoNum type="arabicPeriod"/>
+            </a:pPr>
+            <a:r>
+              <a:rPr lang="en-US" dirty="0"/>
+              <a:t>Random ID generation, and fault generation.</a:t>
+            </a:r>
+          </a:p>
+          <a:p>
+            <a:pPr marL="457200" indent="-457200">
+              <a:buFont typeface="+mj-lt"/>
+              <a:buAutoNum type="arabicPeriod"/>
+            </a:pPr>
+            <a:r>
+              <a:rPr lang="en-US" dirty="0"/>
+              <a:t>Calculate averages and totals, and write output to file.</a:t>
+            </a:r>
+          </a:p>
+          <a:p>
+            <a:pPr lvl="1"/>
+            <a:endParaRPr lang="en-US" dirty="0"/>
+          </a:p>
+          <a:p>
+            <a:pPr marL="457200" indent="-457200">
+              <a:buFont typeface="+mj-lt"/>
+              <a:buAutoNum type="arabicPeriod"/>
+            </a:pPr>
+            <a:endParaRPr lang="en-US" dirty="0"/>
+          </a:p>
+          <a:p>
+            <a:endParaRPr lang="en-US" dirty="0"/>
+          </a:p>
+          <a:p>
+            <a:endParaRPr lang="en-US" dirty="0"/>
           </a:p>
         </p:txBody>
       </p:sp>
       <p:pic>
         <p:nvPicPr>
-          <p:cNvPr id="5" name="Picture 4" descr="Hand typing on keyboard">
+          <p:cNvPr id="2050" name="Picture 2">
             <a:extLst>
               <a:ext uri="{FF2B5EF4-FFF2-40B4-BE49-F238E27FC236}">
-                <a16:creationId xmlns:a16="http://schemas.microsoft.com/office/drawing/2014/main" id="{59BD4E16-1A92-8EFD-08BB-0C2F1C391293}"/>
+                <a16:creationId xmlns:a16="http://schemas.microsoft.com/office/drawing/2014/main" id="{FC61FE2D-B7C2-2A3F-509A-D33A2EB4BA5D}"/>
               </a:ext>
             </a:extLst>
           </p:cNvPr>
           <p:cNvPicPr>
-            <a:picLocks noChangeAspect="1"/>
+            <a:picLocks noChangeAspect="1" noChangeArrowheads="1"/>
           </p:cNvPicPr>
           <p:nvPr/>
         </p:nvPicPr>
         <p:blipFill>
-          <a:blip r:embed="rId2">
+          <a:blip r:embed="rId3">
             <a:extLst>
               <a:ext uri="{28A0092B-C50C-407E-A947-70E740481C1C}">
                 <a14:useLocalDpi xmlns:a14="http://schemas.microsoft.com/office/drawing/2010/main" val="0"/>
               </a:ext>
             </a:extLst>
           </a:blip>
+          <a:srcRect/>
           <a:stretch>
             <a:fillRect/>
           </a:stretch>
         </p:blipFill>
-        <p:spPr>
+        <p:spPr bwMode="auto">
           <a:xfrm>
-            <a:off x="8161373" y="4289625"/>
-            <a:ext cx="2153093" cy="1435395"/>
+            <a:off x="8841526" y="1123837"/>
+            <a:ext cx="2143125" cy="2143125"/>
           </a:xfrm>
           <a:prstGeom prst="rect">
             <a:avLst/>
           </a:prstGeom>
+          <a:noFill/>
+          <a:extLst>
+            <a:ext uri="{909E8E84-426E-40DD-AFC4-6F175D3DCCD1}">
+              <a14:hiddenFill xmlns:a14="http://schemas.microsoft.com/office/drawing/2010/main">
+                <a:solidFill>
+                  <a:srgbClr val="FFFFFF"/>
+                </a:solidFill>
+              </a14:hiddenFill>
+            </a:ext>
+          </a:extLst>
         </p:spPr>
       </p:pic>
     </p:spTree>
     <p:extLst>
       <p:ext uri="{BB962C8B-B14F-4D97-AF65-F5344CB8AC3E}">
-        <p14:creationId xmlns:p14="http://schemas.microsoft.com/office/powerpoint/2010/main" val="2811229468"/>
+        <p14:creationId xmlns:p14="http://schemas.microsoft.com/office/powerpoint/2010/main" val="752751639"/>
       </p:ext>
     </p:extLst>
   </p:cSld>
@@ -4220,6 +5572,317 @@
           <p:cNvPr id="2" name="Title 1">
             <a:extLst>
               <a:ext uri="{FF2B5EF4-FFF2-40B4-BE49-F238E27FC236}">
+                <a16:creationId xmlns:a16="http://schemas.microsoft.com/office/drawing/2014/main" id="{A0917D07-A0ED-E466-CC19-7B5808886390}"/>
+              </a:ext>
+            </a:extLst>
+          </p:cNvPr>
+          <p:cNvSpPr>
+            <a:spLocks noGrp="1"/>
+          </p:cNvSpPr>
+          <p:nvPr>
+            <p:ph type="title"/>
+          </p:nvPr>
+        </p:nvSpPr>
+        <p:spPr/>
+        <p:txBody>
+          <a:bodyPr/>
+          <a:lstStyle/>
+          <a:p>
+            <a:r>
+              <a:rPr lang="en-US" dirty="0"/>
+              <a:t>Unit Tests</a:t>
+            </a:r>
+          </a:p>
+        </p:txBody>
+      </p:sp>
+      <p:sp>
+        <p:nvSpPr>
+          <p:cNvPr id="3" name="Content Placeholder 2">
+            <a:extLst>
+              <a:ext uri="{FF2B5EF4-FFF2-40B4-BE49-F238E27FC236}">
+                <a16:creationId xmlns:a16="http://schemas.microsoft.com/office/drawing/2014/main" id="{B27F626C-1196-1613-1601-3B89B1BAFDE6}"/>
+              </a:ext>
+            </a:extLst>
+          </p:cNvPr>
+          <p:cNvSpPr>
+            <a:spLocks noGrp="1"/>
+          </p:cNvSpPr>
+          <p:nvPr>
+            <p:ph idx="1"/>
+          </p:nvPr>
+        </p:nvSpPr>
+        <p:spPr/>
+        <p:txBody>
+          <a:bodyPr/>
+          <a:lstStyle/>
+          <a:p>
+            <a:r>
+              <a:rPr lang="en-US" dirty="0"/>
+              <a:t>Tracing state transitions</a:t>
+            </a:r>
+          </a:p>
+          <a:p>
+            <a:r>
+              <a:rPr lang="en-US" dirty="0"/>
+              <a:t>Random ID generation test</a:t>
+            </a:r>
+          </a:p>
+          <a:p>
+            <a:r>
+              <a:rPr lang="en-US" dirty="0"/>
+              <a:t>Fault generation test</a:t>
+            </a:r>
+          </a:p>
+          <a:p>
+            <a:r>
+              <a:rPr lang="en-US" dirty="0"/>
+              <a:t>Output calculations test</a:t>
+            </a:r>
+          </a:p>
+        </p:txBody>
+      </p:sp>
+      <p:pic>
+        <p:nvPicPr>
+          <p:cNvPr id="5" name="Picture 4" descr="Hand typing on keyboard">
+            <a:extLst>
+              <a:ext uri="{FF2B5EF4-FFF2-40B4-BE49-F238E27FC236}">
+                <a16:creationId xmlns:a16="http://schemas.microsoft.com/office/drawing/2014/main" id="{59BD4E16-1A92-8EFD-08BB-0C2F1C391293}"/>
+              </a:ext>
+            </a:extLst>
+          </p:cNvPr>
+          <p:cNvPicPr>
+            <a:picLocks noChangeAspect="1"/>
+          </p:cNvPicPr>
+          <p:nvPr/>
+        </p:nvPicPr>
+        <p:blipFill>
+          <a:blip r:embed="rId3">
+            <a:extLst>
+              <a:ext uri="{28A0092B-C50C-407E-A947-70E740481C1C}">
+                <a14:useLocalDpi xmlns:a14="http://schemas.microsoft.com/office/drawing/2010/main" val="0"/>
+              </a:ext>
+            </a:extLst>
+          </a:blip>
+          <a:stretch>
+            <a:fillRect/>
+          </a:stretch>
+        </p:blipFill>
+        <p:spPr>
+          <a:xfrm>
+            <a:off x="7526868" y="2194301"/>
+            <a:ext cx="3690382" cy="2460254"/>
+          </a:xfrm>
+          <a:prstGeom prst="rect">
+            <a:avLst/>
+          </a:prstGeom>
+        </p:spPr>
+      </p:pic>
+    </p:spTree>
+    <p:extLst>
+      <p:ext uri="{BB962C8B-B14F-4D97-AF65-F5344CB8AC3E}">
+        <p14:creationId xmlns:p14="http://schemas.microsoft.com/office/powerpoint/2010/main" val="2811229468"/>
+      </p:ext>
+    </p:extLst>
+  </p:cSld>
+  <p:clrMapOvr>
+    <a:masterClrMapping/>
+  </p:clrMapOvr>
+</p:sld>
+</file>
+
+<file path=ppt/slides/slide7.xml><?xml version="1.0" encoding="utf-8"?>
+<p:sld xmlns:a="http://schemas.openxmlformats.org/drawingml/2006/main" xmlns:r="http://schemas.openxmlformats.org/officeDocument/2006/relationships" xmlns:p="http://schemas.openxmlformats.org/presentationml/2006/main">
+  <p:cSld>
+    <p:spTree>
+      <p:nvGrpSpPr>
+        <p:cNvPr id="1" name=""/>
+        <p:cNvGrpSpPr/>
+        <p:nvPr/>
+      </p:nvGrpSpPr>
+      <p:grpSpPr>
+        <a:xfrm>
+          <a:off x="0" y="0"/>
+          <a:ext cx="0" cy="0"/>
+          <a:chOff x="0" y="0"/>
+          <a:chExt cx="0" cy="0"/>
+        </a:xfrm>
+      </p:grpSpPr>
+      <p:sp>
+        <p:nvSpPr>
+          <p:cNvPr id="2" name="Title 1">
+            <a:extLst>
+              <a:ext uri="{FF2B5EF4-FFF2-40B4-BE49-F238E27FC236}">
+                <a16:creationId xmlns:a16="http://schemas.microsoft.com/office/drawing/2014/main" id="{9A9209F6-1E72-17DE-318A-94CDAA913046}"/>
+              </a:ext>
+            </a:extLst>
+          </p:cNvPr>
+          <p:cNvSpPr>
+            <a:spLocks noGrp="1"/>
+          </p:cNvSpPr>
+          <p:nvPr>
+            <p:ph type="title"/>
+          </p:nvPr>
+        </p:nvSpPr>
+        <p:spPr/>
+        <p:txBody>
+          <a:bodyPr/>
+          <a:lstStyle/>
+          <a:p>
+            <a:r>
+              <a:rPr lang="en-US" dirty="0"/>
+              <a:t>Key</a:t>
+            </a:r>
+            <a:br>
+              <a:rPr lang="en-US" dirty="0"/>
+            </a:br>
+            <a:r>
+              <a:rPr lang="en-US" dirty="0"/>
+              <a:t>Successes</a:t>
+            </a:r>
+          </a:p>
+        </p:txBody>
+      </p:sp>
+      <p:sp>
+        <p:nvSpPr>
+          <p:cNvPr id="3" name="Content Placeholder 2">
+            <a:extLst>
+              <a:ext uri="{FF2B5EF4-FFF2-40B4-BE49-F238E27FC236}">
+                <a16:creationId xmlns:a16="http://schemas.microsoft.com/office/drawing/2014/main" id="{EB4ADCBD-269F-8998-DF79-5A640560D56F}"/>
+              </a:ext>
+            </a:extLst>
+          </p:cNvPr>
+          <p:cNvSpPr>
+            <a:spLocks noGrp="1"/>
+          </p:cNvSpPr>
+          <p:nvPr>
+            <p:ph idx="1"/>
+          </p:nvPr>
+        </p:nvSpPr>
+        <p:spPr/>
+        <p:txBody>
+          <a:bodyPr/>
+          <a:lstStyle/>
+          <a:p>
+            <a:r>
+              <a:rPr lang="en-US" dirty="0"/>
+              <a:t>Time spent planning VS writing code</a:t>
+            </a:r>
+          </a:p>
+          <a:p>
+            <a:r>
+              <a:rPr lang="en-US" dirty="0"/>
+              <a:t>Following the plan</a:t>
+            </a:r>
+          </a:p>
+          <a:p>
+            <a:r>
+              <a:rPr lang="en-US" dirty="0"/>
+              <a:t>Test driven development</a:t>
+            </a:r>
+          </a:p>
+          <a:p>
+            <a:pPr lvl="1"/>
+            <a:r>
+              <a:rPr lang="en-US" dirty="0"/>
+              <a:t>Catching mistakes right away</a:t>
+            </a:r>
+          </a:p>
+          <a:p>
+            <a:r>
+              <a:rPr lang="en-US" dirty="0"/>
+              <a:t>Minimized SW written</a:t>
+            </a:r>
+          </a:p>
+          <a:p>
+            <a:r>
+              <a:rPr lang="en-US" dirty="0"/>
+              <a:t>Short files and function sizes</a:t>
+            </a:r>
+          </a:p>
+        </p:txBody>
+      </p:sp>
+      <p:pic>
+        <p:nvPicPr>
+          <p:cNvPr id="1026" name="Picture 2">
+            <a:extLst>
+              <a:ext uri="{FF2B5EF4-FFF2-40B4-BE49-F238E27FC236}">
+                <a16:creationId xmlns:a16="http://schemas.microsoft.com/office/drawing/2014/main" id="{E39554B0-5FD5-154C-18B9-A2247559C9D9}"/>
+              </a:ext>
+            </a:extLst>
+          </p:cNvPr>
+          <p:cNvPicPr>
+            <a:picLocks noChangeAspect="1" noChangeArrowheads="1"/>
+          </p:cNvPicPr>
+          <p:nvPr/>
+        </p:nvPicPr>
+        <p:blipFill>
+          <a:blip r:embed="rId3">
+            <a:extLst>
+              <a:ext uri="{28A0092B-C50C-407E-A947-70E740481C1C}">
+                <a14:useLocalDpi xmlns:a14="http://schemas.microsoft.com/office/drawing/2010/main" val="0"/>
+              </a:ext>
+            </a:extLst>
+          </a:blip>
+          <a:srcRect/>
+          <a:stretch>
+            <a:fillRect/>
+          </a:stretch>
+        </p:blipFill>
+        <p:spPr bwMode="auto">
+          <a:xfrm>
+            <a:off x="8502389" y="2367153"/>
+            <a:ext cx="2162175" cy="2114550"/>
+          </a:xfrm>
+          <a:prstGeom prst="rect">
+            <a:avLst/>
+          </a:prstGeom>
+          <a:noFill/>
+          <a:extLst>
+            <a:ext uri="{909E8E84-426E-40DD-AFC4-6F175D3DCCD1}">
+              <a14:hiddenFill xmlns:a14="http://schemas.microsoft.com/office/drawing/2010/main">
+                <a:solidFill>
+                  <a:srgbClr val="FFFFFF"/>
+                </a:solidFill>
+              </a14:hiddenFill>
+            </a:ext>
+          </a:extLst>
+        </p:spPr>
+      </p:pic>
+    </p:spTree>
+    <p:extLst>
+      <p:ext uri="{BB962C8B-B14F-4D97-AF65-F5344CB8AC3E}">
+        <p14:creationId xmlns:p14="http://schemas.microsoft.com/office/powerpoint/2010/main" val="166445568"/>
+      </p:ext>
+    </p:extLst>
+  </p:cSld>
+  <p:clrMapOvr>
+    <a:masterClrMapping/>
+  </p:clrMapOvr>
+</p:sld>
+</file>
+
+<file path=ppt/slides/slide8.xml><?xml version="1.0" encoding="utf-8"?>
+<p:sld xmlns:a="http://schemas.openxmlformats.org/drawingml/2006/main" xmlns:r="http://schemas.openxmlformats.org/officeDocument/2006/relationships" xmlns:p="http://schemas.openxmlformats.org/presentationml/2006/main">
+  <p:cSld>
+    <p:spTree>
+      <p:nvGrpSpPr>
+        <p:cNvPr id="1" name=""/>
+        <p:cNvGrpSpPr/>
+        <p:nvPr/>
+      </p:nvGrpSpPr>
+      <p:grpSpPr>
+        <a:xfrm>
+          <a:off x="0" y="0"/>
+          <a:ext cx="0" cy="0"/>
+          <a:chOff x="0" y="0"/>
+          <a:chExt cx="0" cy="0"/>
+        </a:xfrm>
+      </p:grpSpPr>
+      <p:sp>
+        <p:nvSpPr>
+          <p:cNvPr id="2" name="Title 1">
+            <a:extLst>
+              <a:ext uri="{FF2B5EF4-FFF2-40B4-BE49-F238E27FC236}">
                 <a16:creationId xmlns:a16="http://schemas.microsoft.com/office/drawing/2014/main" id="{C03CE553-869B-88B7-A9E1-606DF3FA0E61}"/>
               </a:ext>
             </a:extLst>
@@ -4278,7 +5941,7 @@
           <a:p>
             <a:r>
               <a:rPr lang="en-US" dirty="0"/>
-              <a:t>Random ID generation – retrying if it fails, rather than exiting</a:t>
+              <a:t>Random ID generation – retrying if it fails</a:t>
             </a:r>
           </a:p>
           <a:p>
@@ -4316,7 +5979,7 @@
           <p:nvPr/>
         </p:nvPicPr>
         <p:blipFill>
-          <a:blip r:embed="rId2">
+          <a:blip r:embed="rId3">
             <a:extLst>
               <a:ext uri="{28A0092B-C50C-407E-A947-70E740481C1C}">
                 <a14:useLocalDpi xmlns:a14="http://schemas.microsoft.com/office/drawing/2010/main" val="0"/>
@@ -4350,7 +6013,7 @@
 </p:sld>
 </file>
 
-<file path=ppt/slides/slide7.xml><?xml version="1.0" encoding="utf-8"?>
+<file path=ppt/slides/slide9.xml><?xml version="1.0" encoding="utf-8"?>
 <p:sld xmlns:a="http://schemas.openxmlformats.org/drawingml/2006/main" xmlns:r="http://schemas.openxmlformats.org/officeDocument/2006/relationships" xmlns:p="http://schemas.openxmlformats.org/presentationml/2006/main">
   <p:cSld>
     <p:spTree>
@@ -4412,7 +6075,7 @@
           </p:nvPr>
         </p:nvPicPr>
         <p:blipFill>
-          <a:blip r:embed="rId2">
+          <a:blip r:embed="rId3">
             <a:extLst>
               <a:ext uri="{28A0092B-C50C-407E-A947-70E740481C1C}">
                 <a14:useLocalDpi xmlns:a14="http://schemas.microsoft.com/office/drawing/2010/main" val="0"/>
@@ -4434,120 +6097,6 @@
     <p:extLst>
       <p:ext uri="{BB962C8B-B14F-4D97-AF65-F5344CB8AC3E}">
         <p14:creationId xmlns:p14="http://schemas.microsoft.com/office/powerpoint/2010/main" val="3544380057"/>
-      </p:ext>
-    </p:extLst>
-  </p:cSld>
-  <p:clrMapOvr>
-    <a:masterClrMapping/>
-  </p:clrMapOvr>
-</p:sld>
-</file>
-
-<file path=ppt/slides/slide8.xml><?xml version="1.0" encoding="utf-8"?>
-<p:sld xmlns:a="http://schemas.openxmlformats.org/drawingml/2006/main" xmlns:r="http://schemas.openxmlformats.org/officeDocument/2006/relationships" xmlns:p="http://schemas.openxmlformats.org/presentationml/2006/main">
-  <p:cSld>
-    <p:spTree>
-      <p:nvGrpSpPr>
-        <p:cNvPr id="1" name=""/>
-        <p:cNvGrpSpPr/>
-        <p:nvPr/>
-      </p:nvGrpSpPr>
-      <p:grpSpPr>
-        <a:xfrm>
-          <a:off x="0" y="0"/>
-          <a:ext cx="0" cy="0"/>
-          <a:chOff x="0" y="0"/>
-          <a:chExt cx="0" cy="0"/>
-        </a:xfrm>
-      </p:grpSpPr>
-      <p:sp>
-        <p:nvSpPr>
-          <p:cNvPr id="2" name="Title 1">
-            <a:extLst>
-              <a:ext uri="{FF2B5EF4-FFF2-40B4-BE49-F238E27FC236}">
-                <a16:creationId xmlns:a16="http://schemas.microsoft.com/office/drawing/2014/main" id="{262FC0D4-C6B6-E929-65A4-85450FFFF110}"/>
-              </a:ext>
-            </a:extLst>
-          </p:cNvPr>
-          <p:cNvSpPr>
-            <a:spLocks noGrp="1"/>
-          </p:cNvSpPr>
-          <p:nvPr>
-            <p:ph type="title"/>
-          </p:nvPr>
-        </p:nvSpPr>
-        <p:spPr/>
-        <p:txBody>
-          <a:bodyPr/>
-          <a:lstStyle/>
-          <a:p>
-            <a:r>
-              <a:rPr lang="en-US" dirty="0" err="1"/>
-              <a:t>Tricopter</a:t>
-            </a:r>
-            <a:br>
-              <a:rPr lang="en-US" dirty="0"/>
-            </a:br>
-            <a:r>
-              <a:rPr lang="en-US" dirty="0"/>
-              <a:t>yaw</a:t>
-            </a:r>
-          </a:p>
-        </p:txBody>
-      </p:sp>
-      <p:pic>
-        <p:nvPicPr>
-          <p:cNvPr id="1026" name="Picture 2" descr="TricopteratTopDown-copy">
-            <a:extLst>
-              <a:ext uri="{FF2B5EF4-FFF2-40B4-BE49-F238E27FC236}">
-                <a16:creationId xmlns:a16="http://schemas.microsoft.com/office/drawing/2014/main" id="{25AE8DD0-A09C-550B-1E09-D532238FEBAA}"/>
-              </a:ext>
-            </a:extLst>
-          </p:cNvPr>
-          <p:cNvPicPr>
-            <a:picLocks noGrp="1" noChangeAspect="1" noChangeArrowheads="1"/>
-          </p:cNvPicPr>
-          <p:nvPr>
-            <p:ph idx="1"/>
-          </p:nvPr>
-        </p:nvPicPr>
-        <p:blipFill>
-          <a:blip r:embed="rId2">
-            <a:extLst>
-              <a:ext uri="{28A0092B-C50C-407E-A947-70E740481C1C}">
-                <a14:useLocalDpi xmlns:a14="http://schemas.microsoft.com/office/drawing/2010/main" val="0"/>
-              </a:ext>
-            </a:extLst>
-          </a:blip>
-          <a:srcRect/>
-          <a:stretch>
-            <a:fillRect/>
-          </a:stretch>
-        </p:blipFill>
-        <p:spPr bwMode="auto">
-          <a:xfrm>
-            <a:off x="5479562" y="1174715"/>
-            <a:ext cx="4313755" cy="4508570"/>
-          </a:xfrm>
-          <a:prstGeom prst="rect">
-            <a:avLst/>
-          </a:prstGeom>
-          <a:noFill/>
-          <a:extLst>
-            <a:ext uri="{909E8E84-426E-40DD-AFC4-6F175D3DCCD1}">
-              <a14:hiddenFill xmlns:a14="http://schemas.microsoft.com/office/drawing/2010/main">
-                <a:solidFill>
-                  <a:srgbClr val="FFFFFF"/>
-                </a:solidFill>
-              </a14:hiddenFill>
-            </a:ext>
-          </a:extLst>
-        </p:spPr>
-      </p:pic>
-    </p:spTree>
-    <p:extLst>
-      <p:ext uri="{BB962C8B-B14F-4D97-AF65-F5344CB8AC3E}">
-        <p14:creationId xmlns:p14="http://schemas.microsoft.com/office/powerpoint/2010/main" val="2324650109"/>
       </p:ext>
     </p:extLst>
   </p:cSld>
@@ -4786,4 +6335,299 @@
     </a:ext>
   </a:extLst>
 </a:theme>
+</file>
+
+<file path=ppt/theme/theme2.xml><?xml version="1.0" encoding="utf-8"?>
+<a:theme xmlns:a="http://schemas.openxmlformats.org/drawingml/2006/main" name="Office Theme">
+  <a:themeElements>
+    <a:clrScheme name="Office">
+      <a:dk1>
+        <a:sysClr val="windowText" lastClr="000000"/>
+      </a:dk1>
+      <a:lt1>
+        <a:sysClr val="window" lastClr="FFFFFF"/>
+      </a:lt1>
+      <a:dk2>
+        <a:srgbClr val="44546A"/>
+      </a:dk2>
+      <a:lt2>
+        <a:srgbClr val="E7E6E6"/>
+      </a:lt2>
+      <a:accent1>
+        <a:srgbClr val="4472C4"/>
+      </a:accent1>
+      <a:accent2>
+        <a:srgbClr val="ED7D31"/>
+      </a:accent2>
+      <a:accent3>
+        <a:srgbClr val="A5A5A5"/>
+      </a:accent3>
+      <a:accent4>
+        <a:srgbClr val="FFC000"/>
+      </a:accent4>
+      <a:accent5>
+        <a:srgbClr val="5B9BD5"/>
+      </a:accent5>
+      <a:accent6>
+        <a:srgbClr val="70AD47"/>
+      </a:accent6>
+      <a:hlink>
+        <a:srgbClr val="0563C1"/>
+      </a:hlink>
+      <a:folHlink>
+        <a:srgbClr val="954F72"/>
+      </a:folHlink>
+    </a:clrScheme>
+    <a:fontScheme name="Office">
+      <a:majorFont>
+        <a:latin typeface="Calibri Light" panose="020F0302020204030204"/>
+        <a:ea typeface=""/>
+        <a:cs typeface=""/>
+        <a:font script="Jpan" typeface="游ゴシック Light"/>
+        <a:font script="Hang" typeface="맑은 고딕"/>
+        <a:font script="Hans" typeface="等线 Light"/>
+        <a:font script="Hant" typeface="新細明體"/>
+        <a:font script="Arab" typeface="Times New Roman"/>
+        <a:font script="Hebr" typeface="Times New Roman"/>
+        <a:font script="Thai" typeface="Angsana New"/>
+        <a:font script="Ethi" typeface="Nyala"/>
+        <a:font script="Beng" typeface="Vrinda"/>
+        <a:font script="Gujr" typeface="Shruti"/>
+        <a:font script="Khmr" typeface="MoolBoran"/>
+        <a:font script="Knda" typeface="Tunga"/>
+        <a:font script="Guru" typeface="Raavi"/>
+        <a:font script="Cans" typeface="Euphemia"/>
+        <a:font script="Cher" typeface="Plantagenet Cherokee"/>
+        <a:font script="Yiii" typeface="Microsoft Yi Baiti"/>
+        <a:font script="Tibt" typeface="Microsoft Himalaya"/>
+        <a:font script="Thaa" typeface="MV Boli"/>
+        <a:font script="Deva" typeface="Mangal"/>
+        <a:font script="Telu" typeface="Gautami"/>
+        <a:font script="Taml" typeface="Latha"/>
+        <a:font script="Syrc" typeface="Estrangelo Edessa"/>
+        <a:font script="Orya" typeface="Kalinga"/>
+        <a:font script="Mlym" typeface="Kartika"/>
+        <a:font script="Laoo" typeface="DokChampa"/>
+        <a:font script="Sinh" typeface="Iskoola Pota"/>
+        <a:font script="Mong" typeface="Mongolian Baiti"/>
+        <a:font script="Viet" typeface="Times New Roman"/>
+        <a:font script="Uigh" typeface="Microsoft Uighur"/>
+        <a:font script="Geor" typeface="Sylfaen"/>
+        <a:font script="Armn" typeface="Arial"/>
+        <a:font script="Bugi" typeface="Leelawadee UI"/>
+        <a:font script="Bopo" typeface="Microsoft JhengHei"/>
+        <a:font script="Java" typeface="Javanese Text"/>
+        <a:font script="Lisu" typeface="Segoe UI"/>
+        <a:font script="Mymr" typeface="Myanmar Text"/>
+        <a:font script="Nkoo" typeface="Ebrima"/>
+        <a:font script="Olck" typeface="Nirmala UI"/>
+        <a:font script="Osma" typeface="Ebrima"/>
+        <a:font script="Phag" typeface="Phagspa"/>
+        <a:font script="Syrn" typeface="Estrangelo Edessa"/>
+        <a:font script="Syrj" typeface="Estrangelo Edessa"/>
+        <a:font script="Syre" typeface="Estrangelo Edessa"/>
+        <a:font script="Sora" typeface="Nirmala UI"/>
+        <a:font script="Tale" typeface="Microsoft Tai Le"/>
+        <a:font script="Talu" typeface="Microsoft New Tai Lue"/>
+        <a:font script="Tfng" typeface="Ebrima"/>
+      </a:majorFont>
+      <a:minorFont>
+        <a:latin typeface="Calibri" panose="020F0502020204030204"/>
+        <a:ea typeface=""/>
+        <a:cs typeface=""/>
+        <a:font script="Jpan" typeface="游ゴシック"/>
+        <a:font script="Hang" typeface="맑은 고딕"/>
+        <a:font script="Hans" typeface="等线"/>
+        <a:font script="Hant" typeface="新細明體"/>
+        <a:font script="Arab" typeface="Arial"/>
+        <a:font script="Hebr" typeface="Arial"/>
+        <a:font script="Thai" typeface="Cordia New"/>
+        <a:font script="Ethi" typeface="Nyala"/>
+        <a:font script="Beng" typeface="Vrinda"/>
+        <a:font script="Gujr" typeface="Shruti"/>
+        <a:font script="Khmr" typeface="DaunPenh"/>
+        <a:font script="Knda" typeface="Tunga"/>
+        <a:font script="Guru" typeface="Raavi"/>
+        <a:font script="Cans" typeface="Euphemia"/>
+        <a:font script="Cher" typeface="Plantagenet Cherokee"/>
+        <a:font script="Yiii" typeface="Microsoft Yi Baiti"/>
+        <a:font script="Tibt" typeface="Microsoft Himalaya"/>
+        <a:font script="Thaa" typeface="MV Boli"/>
+        <a:font script="Deva" typeface="Mangal"/>
+        <a:font script="Telu" typeface="Gautami"/>
+        <a:font script="Taml" typeface="Latha"/>
+        <a:font script="Syrc" typeface="Estrangelo Edessa"/>
+        <a:font script="Orya" typeface="Kalinga"/>
+        <a:font script="Mlym" typeface="Kartika"/>
+        <a:font script="Laoo" typeface="DokChampa"/>
+        <a:font script="Sinh" typeface="Iskoola Pota"/>
+        <a:font script="Mong" typeface="Mongolian Baiti"/>
+        <a:font script="Viet" typeface="Arial"/>
+        <a:font script="Uigh" typeface="Microsoft Uighur"/>
+        <a:font script="Geor" typeface="Sylfaen"/>
+        <a:font script="Armn" typeface="Arial"/>
+        <a:font script="Bugi" typeface="Leelawadee UI"/>
+        <a:font script="Bopo" typeface="Microsoft JhengHei"/>
+        <a:font script="Java" typeface="Javanese Text"/>
+        <a:font script="Lisu" typeface="Segoe UI"/>
+        <a:font script="Mymr" typeface="Myanmar Text"/>
+        <a:font script="Nkoo" typeface="Ebrima"/>
+        <a:font script="Olck" typeface="Nirmala UI"/>
+        <a:font script="Osma" typeface="Ebrima"/>
+        <a:font script="Phag" typeface="Phagspa"/>
+        <a:font script="Syrn" typeface="Estrangelo Edessa"/>
+        <a:font script="Syrj" typeface="Estrangelo Edessa"/>
+        <a:font script="Syre" typeface="Estrangelo Edessa"/>
+        <a:font script="Sora" typeface="Nirmala UI"/>
+        <a:font script="Tale" typeface="Microsoft Tai Le"/>
+        <a:font script="Talu" typeface="Microsoft New Tai Lue"/>
+        <a:font script="Tfng" typeface="Ebrima"/>
+      </a:minorFont>
+    </a:fontScheme>
+    <a:fmtScheme name="Office">
+      <a:fillStyleLst>
+        <a:solidFill>
+          <a:schemeClr val="phClr"/>
+        </a:solidFill>
+        <a:gradFill rotWithShape="1">
+          <a:gsLst>
+            <a:gs pos="0">
+              <a:schemeClr val="phClr">
+                <a:lumMod val="110000"/>
+                <a:satMod val="105000"/>
+                <a:tint val="67000"/>
+              </a:schemeClr>
+            </a:gs>
+            <a:gs pos="50000">
+              <a:schemeClr val="phClr">
+                <a:lumMod val="105000"/>
+                <a:satMod val="103000"/>
+                <a:tint val="73000"/>
+              </a:schemeClr>
+            </a:gs>
+            <a:gs pos="100000">
+              <a:schemeClr val="phClr">
+                <a:lumMod val="105000"/>
+                <a:satMod val="109000"/>
+                <a:tint val="81000"/>
+              </a:schemeClr>
+            </a:gs>
+          </a:gsLst>
+          <a:lin ang="5400000" scaled="0"/>
+        </a:gradFill>
+        <a:gradFill rotWithShape="1">
+          <a:gsLst>
+            <a:gs pos="0">
+              <a:schemeClr val="phClr">
+                <a:satMod val="103000"/>
+                <a:lumMod val="102000"/>
+                <a:tint val="94000"/>
+              </a:schemeClr>
+            </a:gs>
+            <a:gs pos="50000">
+              <a:schemeClr val="phClr">
+                <a:satMod val="110000"/>
+                <a:lumMod val="100000"/>
+                <a:shade val="100000"/>
+              </a:schemeClr>
+            </a:gs>
+            <a:gs pos="100000">
+              <a:schemeClr val="phClr">
+                <a:lumMod val="99000"/>
+                <a:satMod val="120000"/>
+                <a:shade val="78000"/>
+              </a:schemeClr>
+            </a:gs>
+          </a:gsLst>
+          <a:lin ang="5400000" scaled="0"/>
+        </a:gradFill>
+      </a:fillStyleLst>
+      <a:lnStyleLst>
+        <a:ln w="6350" cap="flat" cmpd="sng" algn="ctr">
+          <a:solidFill>
+            <a:schemeClr val="phClr"/>
+          </a:solidFill>
+          <a:prstDash val="solid"/>
+          <a:miter lim="800000"/>
+        </a:ln>
+        <a:ln w="12700" cap="flat" cmpd="sng" algn="ctr">
+          <a:solidFill>
+            <a:schemeClr val="phClr"/>
+          </a:solidFill>
+          <a:prstDash val="solid"/>
+          <a:miter lim="800000"/>
+        </a:ln>
+        <a:ln w="19050" cap="flat" cmpd="sng" algn="ctr">
+          <a:solidFill>
+            <a:schemeClr val="phClr"/>
+          </a:solidFill>
+          <a:prstDash val="solid"/>
+          <a:miter lim="800000"/>
+        </a:ln>
+      </a:lnStyleLst>
+      <a:effectStyleLst>
+        <a:effectStyle>
+          <a:effectLst/>
+        </a:effectStyle>
+        <a:effectStyle>
+          <a:effectLst/>
+        </a:effectStyle>
+        <a:effectStyle>
+          <a:effectLst>
+            <a:outerShdw blurRad="57150" dist="19050" dir="5400000" algn="ctr" rotWithShape="0">
+              <a:srgbClr val="000000">
+                <a:alpha val="63000"/>
+              </a:srgbClr>
+            </a:outerShdw>
+          </a:effectLst>
+        </a:effectStyle>
+      </a:effectStyleLst>
+      <a:bgFillStyleLst>
+        <a:solidFill>
+          <a:schemeClr val="phClr"/>
+        </a:solidFill>
+        <a:solidFill>
+          <a:schemeClr val="phClr">
+            <a:tint val="95000"/>
+            <a:satMod val="170000"/>
+          </a:schemeClr>
+        </a:solidFill>
+        <a:gradFill rotWithShape="1">
+          <a:gsLst>
+            <a:gs pos="0">
+              <a:schemeClr val="phClr">
+                <a:tint val="93000"/>
+                <a:satMod val="150000"/>
+                <a:shade val="98000"/>
+                <a:lumMod val="102000"/>
+              </a:schemeClr>
+            </a:gs>
+            <a:gs pos="50000">
+              <a:schemeClr val="phClr">
+                <a:tint val="98000"/>
+                <a:satMod val="130000"/>
+                <a:shade val="90000"/>
+                <a:lumMod val="103000"/>
+              </a:schemeClr>
+            </a:gs>
+            <a:gs pos="100000">
+              <a:schemeClr val="phClr">
+                <a:shade val="63000"/>
+                <a:satMod val="120000"/>
+              </a:schemeClr>
+            </a:gs>
+          </a:gsLst>
+          <a:lin ang="5400000" scaled="0"/>
+        </a:gradFill>
+      </a:bgFillStyleLst>
+    </a:fmtScheme>
+  </a:themeElements>
+  <a:objectDefaults/>
+  <a:extraClrSchemeLst/>
+  <a:extLst>
+    <a:ext uri="{05A4C25C-085E-4340-85A3-A5531E510DB2}">
+      <thm15:themeFamily xmlns:thm15="http://schemas.microsoft.com/office/thememl/2012/main" name="Office Theme" id="{62F939B6-93AF-4DB8-9C6B-D6C7DFDC589F}" vid="{4A3C46E8-61CC-4603-A589-7422A47A8E4A}"/>
+    </a:ext>
+  </a:extLst>
+</a:theme>
 </file>